--- a/DJSCXZ_Lindner_Kertesz_PREZ.pptx
+++ b/DJSCXZ_Lindner_Kertesz_PREZ.pptx
@@ -5,19 +5,20 @@
     <p:sldMasterId id="2147483648" r:id="rId1"/>
   </p:sldMasterIdLst>
   <p:notesMasterIdLst>
-    <p:notesMasterId r:id="rId12"/>
+    <p:notesMasterId r:id="rId13"/>
   </p:notesMasterIdLst>
   <p:sldIdLst>
     <p:sldId id="256" r:id="rId2"/>
     <p:sldId id="258" r:id="rId3"/>
     <p:sldId id="259" r:id="rId4"/>
     <p:sldId id="261" r:id="rId5"/>
-    <p:sldId id="262" r:id="rId6"/>
-    <p:sldId id="260" r:id="rId7"/>
-    <p:sldId id="263" r:id="rId8"/>
-    <p:sldId id="265" r:id="rId9"/>
-    <p:sldId id="264" r:id="rId10"/>
-    <p:sldId id="266" r:id="rId11"/>
+    <p:sldId id="268" r:id="rId6"/>
+    <p:sldId id="262" r:id="rId7"/>
+    <p:sldId id="260" r:id="rId8"/>
+    <p:sldId id="263" r:id="rId9"/>
+    <p:sldId id="265" r:id="rId10"/>
+    <p:sldId id="264" r:id="rId11"/>
+    <p:sldId id="266" r:id="rId12"/>
   </p:sldIdLst>
   <p:sldSz cx="12192000" cy="6858000"/>
   <p:notesSz cx="6858000" cy="9144000"/>
@@ -977,10 +978,10 @@
         <a:lstStyle/>
         <a:p>
           <a:r>
-            <a:rPr lang="hu-HU"/>
+            <a:rPr lang="hu-HU" dirty="0"/>
             <a:t>Egyéni tápanyagigények meghatározása</a:t>
           </a:r>
-          <a:endParaRPr lang="en-US"/>
+          <a:endParaRPr lang="en-US" dirty="0"/>
         </a:p>
       </dgm:t>
     </dgm:pt>
@@ -1014,10 +1015,10 @@
         <a:lstStyle/>
         <a:p>
           <a:r>
-            <a:rPr lang="hu-HU"/>
+            <a:rPr lang="hu-HU" dirty="0"/>
             <a:t>Személyre szabott étrend generálása</a:t>
           </a:r>
-          <a:endParaRPr lang="en-US"/>
+          <a:endParaRPr lang="en-US" dirty="0"/>
         </a:p>
       </dgm:t>
     </dgm:pt>
@@ -1051,10 +1052,10 @@
         <a:lstStyle/>
         <a:p>
           <a:r>
-            <a:rPr lang="hu-HU"/>
+            <a:rPr lang="hu-HU" dirty="0"/>
             <a:t>Célkitűzésnek megfelelő grafikus előrejelzés</a:t>
           </a:r>
-          <a:endParaRPr lang="en-US"/>
+          <a:endParaRPr lang="en-US" dirty="0"/>
         </a:p>
       </dgm:t>
     </dgm:pt>
@@ -1088,10 +1089,10 @@
         <a:lstStyle/>
         <a:p>
           <a:r>
-            <a:rPr lang="hu-HU"/>
+            <a:rPr lang="hu-HU" dirty="0"/>
             <a:t>PDF export készítése</a:t>
           </a:r>
-          <a:endParaRPr lang="en-US"/>
+          <a:endParaRPr lang="en-US" dirty="0"/>
         </a:p>
       </dgm:t>
     </dgm:pt>
@@ -1162,10 +1163,10 @@
         <a:lstStyle/>
         <a:p>
           <a:r>
-            <a:rPr lang="hu-HU"/>
+            <a:rPr lang="hu-HU" dirty="0"/>
             <a:t>Hordozhatóság</a:t>
           </a:r>
-          <a:endParaRPr lang="en-US"/>
+          <a:endParaRPr lang="en-US" dirty="0"/>
         </a:p>
       </dgm:t>
     </dgm:pt>
@@ -1199,10 +1200,10 @@
         <a:lstStyle/>
         <a:p>
           <a:r>
-            <a:rPr lang="hu-HU"/>
+            <a:rPr lang="hu-HU" dirty="0"/>
             <a:t>Gyors működés</a:t>
           </a:r>
-          <a:endParaRPr lang="en-US"/>
+          <a:endParaRPr lang="en-US" dirty="0"/>
         </a:p>
       </dgm:t>
     </dgm:pt>
@@ -1236,10 +1237,10 @@
         <a:lstStyle/>
         <a:p>
           <a:r>
-            <a:rPr lang="hu-HU"/>
+            <a:rPr lang="hu-HU" dirty="0"/>
             <a:t>Könnyű használhatóság</a:t>
           </a:r>
-          <a:endParaRPr lang="en-US"/>
+          <a:endParaRPr lang="en-US" dirty="0"/>
         </a:p>
       </dgm:t>
     </dgm:pt>
@@ -1273,10 +1274,10 @@
         <a:lstStyle/>
         <a:p>
           <a:r>
-            <a:rPr lang="hu-HU"/>
+            <a:rPr lang="hu-HU" dirty="0"/>
             <a:t>Személyes adatok védelme</a:t>
           </a:r>
-          <a:endParaRPr lang="en-US"/>
+          <a:endParaRPr lang="en-US" dirty="0"/>
         </a:p>
       </dgm:t>
     </dgm:pt>
@@ -1495,10 +1496,10 @@
             <a:buChar char="•"/>
           </a:pPr>
           <a:r>
-            <a:rPr lang="hu-HU" sz="2100" kern="1200"/>
+            <a:rPr lang="hu-HU" sz="2100" kern="1200" dirty="0"/>
             <a:t>Egyéni tápanyagigények meghatározása</a:t>
           </a:r>
-          <a:endParaRPr lang="en-US" sz="2100" kern="1200"/>
+          <a:endParaRPr lang="en-US" sz="2100" kern="1200" dirty="0"/>
         </a:p>
         <a:p>
           <a:pPr marL="228600" lvl="1" indent="-228600" algn="l" defTabSz="933450">
@@ -1514,10 +1515,10 @@
             <a:buChar char="•"/>
           </a:pPr>
           <a:r>
-            <a:rPr lang="hu-HU" sz="2100" kern="1200"/>
+            <a:rPr lang="hu-HU" sz="2100" kern="1200" dirty="0"/>
             <a:t>Személyre szabott étrend generálása</a:t>
           </a:r>
-          <a:endParaRPr lang="en-US" sz="2100" kern="1200"/>
+          <a:endParaRPr lang="en-US" sz="2100" kern="1200" dirty="0"/>
         </a:p>
         <a:p>
           <a:pPr marL="228600" lvl="1" indent="-228600" algn="l" defTabSz="933450">
@@ -1533,10 +1534,10 @@
             <a:buChar char="•"/>
           </a:pPr>
           <a:r>
-            <a:rPr lang="hu-HU" sz="2100" kern="1200"/>
+            <a:rPr lang="hu-HU" sz="2100" kern="1200" dirty="0"/>
             <a:t>Célkitűzésnek megfelelő grafikus előrejelzés</a:t>
           </a:r>
-          <a:endParaRPr lang="en-US" sz="2100" kern="1200"/>
+          <a:endParaRPr lang="en-US" sz="2100" kern="1200" dirty="0"/>
         </a:p>
         <a:p>
           <a:pPr marL="228600" lvl="1" indent="-228600" algn="l" defTabSz="933450">
@@ -1552,10 +1553,10 @@
             <a:buChar char="•"/>
           </a:pPr>
           <a:r>
-            <a:rPr lang="hu-HU" sz="2100" kern="1200"/>
+            <a:rPr lang="hu-HU" sz="2100" kern="1200" dirty="0"/>
             <a:t>PDF export készítése</a:t>
           </a:r>
-          <a:endParaRPr lang="en-US" sz="2100" kern="1200"/>
+          <a:endParaRPr lang="en-US" sz="2100" kern="1200" dirty="0"/>
         </a:p>
       </dsp:txBody>
       <dsp:txXfrm>
@@ -1722,10 +1723,10 @@
             <a:buChar char="•"/>
           </a:pPr>
           <a:r>
-            <a:rPr lang="hu-HU" sz="2100" kern="1200"/>
+            <a:rPr lang="hu-HU" sz="2100" kern="1200" dirty="0"/>
             <a:t>Hordozhatóság</a:t>
           </a:r>
-          <a:endParaRPr lang="en-US" sz="2100" kern="1200"/>
+          <a:endParaRPr lang="en-US" sz="2100" kern="1200" dirty="0"/>
         </a:p>
         <a:p>
           <a:pPr marL="228600" lvl="1" indent="-228600" algn="l" defTabSz="933450">
@@ -1741,10 +1742,10 @@
             <a:buChar char="•"/>
           </a:pPr>
           <a:r>
-            <a:rPr lang="hu-HU" sz="2100" kern="1200"/>
+            <a:rPr lang="hu-HU" sz="2100" kern="1200" dirty="0"/>
             <a:t>Gyors működés</a:t>
           </a:r>
-          <a:endParaRPr lang="en-US" sz="2100" kern="1200"/>
+          <a:endParaRPr lang="en-US" sz="2100" kern="1200" dirty="0"/>
         </a:p>
         <a:p>
           <a:pPr marL="228600" lvl="1" indent="-228600" algn="l" defTabSz="933450">
@@ -1760,10 +1761,10 @@
             <a:buChar char="•"/>
           </a:pPr>
           <a:r>
-            <a:rPr lang="hu-HU" sz="2100" kern="1200"/>
+            <a:rPr lang="hu-HU" sz="2100" kern="1200" dirty="0"/>
             <a:t>Könnyű használhatóság</a:t>
           </a:r>
-          <a:endParaRPr lang="en-US" sz="2100" kern="1200"/>
+          <a:endParaRPr lang="en-US" sz="2100" kern="1200" dirty="0"/>
         </a:p>
         <a:p>
           <a:pPr marL="228600" lvl="1" indent="-228600" algn="l" defTabSz="933450">
@@ -1779,10 +1780,10 @@
             <a:buChar char="•"/>
           </a:pPr>
           <a:r>
-            <a:rPr lang="hu-HU" sz="2100" kern="1200"/>
+            <a:rPr lang="hu-HU" sz="2100" kern="1200" dirty="0"/>
             <a:t>Személyes adatok védelme</a:t>
           </a:r>
-          <a:endParaRPr lang="en-US" sz="2100" kern="1200"/>
+          <a:endParaRPr lang="en-US" sz="2100" kern="1200" dirty="0"/>
         </a:p>
       </dsp:txBody>
       <dsp:txXfrm>
@@ -3228,7 +3229,7 @@
           <a:p>
             <a:fld id="{0ADCB8C0-6C3B-4687-B844-33779E78272B}" type="datetimeFigureOut">
               <a:rPr lang="hu-HU" smtClean="0"/>
-              <a:t>2020. 05. 22.</a:t>
+              <a:t>2020. 06. 05.</a:t>
             </a:fld>
             <a:endParaRPr lang="hu-HU"/>
           </a:p>
@@ -4218,7 +4219,7 @@
             <a:fld id="{B61BEF0D-F0BB-DE4B-95CE-6DB70DBA9567}" type="datetimeFigureOut">
               <a:rPr lang="en-US" dirty="0"/>
               <a:pPr/>
-              <a:t>5/22/2020</a:t>
+              <a:t>6/5/2020</a:t>
             </a:fld>
             <a:endParaRPr lang="en-US" dirty="0"/>
           </a:p>
@@ -4466,7 +4467,7 @@
             <a:fld id="{B61BEF0D-F0BB-DE4B-95CE-6DB70DBA9567}" type="datetimeFigureOut">
               <a:rPr lang="en-US" dirty="0"/>
               <a:pPr/>
-              <a:t>5/22/2020</a:t>
+              <a:t>6/5/2020</a:t>
             </a:fld>
             <a:endParaRPr lang="en-US" dirty="0"/>
           </a:p>
@@ -4777,7 +4778,7 @@
             <a:fld id="{B61BEF0D-F0BB-DE4B-95CE-6DB70DBA9567}" type="datetimeFigureOut">
               <a:rPr lang="en-US" dirty="0"/>
               <a:pPr/>
-              <a:t>5/22/2020</a:t>
+              <a:t>6/5/2020</a:t>
             </a:fld>
             <a:endParaRPr lang="en-US" dirty="0"/>
           </a:p>
@@ -5115,7 +5116,7 @@
             <a:fld id="{B61BEF0D-F0BB-DE4B-95CE-6DB70DBA9567}" type="datetimeFigureOut">
               <a:rPr lang="en-US" dirty="0"/>
               <a:pPr/>
-              <a:t>5/22/2020</a:t>
+              <a:t>6/5/2020</a:t>
             </a:fld>
             <a:endParaRPr lang="en-US" dirty="0"/>
           </a:p>
@@ -5426,7 +5427,7 @@
             <a:fld id="{B61BEF0D-F0BB-DE4B-95CE-6DB70DBA9567}" type="datetimeFigureOut">
               <a:rPr lang="en-US" dirty="0"/>
               <a:pPr/>
-              <a:t>5/22/2020</a:t>
+              <a:t>6/5/2020</a:t>
             </a:fld>
             <a:endParaRPr lang="en-US" dirty="0"/>
           </a:p>
@@ -5816,7 +5817,7 @@
             <a:fld id="{B61BEF0D-F0BB-DE4B-95CE-6DB70DBA9567}" type="datetimeFigureOut">
               <a:rPr lang="en-US" dirty="0"/>
               <a:pPr/>
-              <a:t>5/22/2020</a:t>
+              <a:t>6/5/2020</a:t>
             </a:fld>
             <a:endParaRPr lang="en-US" dirty="0"/>
           </a:p>
@@ -5982,7 +5983,7 @@
           <a:p>
             <a:fld id="{55C6B4A9-1611-4792-9094-5F34BCA07E0B}" type="datetimeFigureOut">
               <a:rPr lang="en-US" dirty="0"/>
-              <a:t>5/22/2020</a:t>
+              <a:t>6/5/2020</a:t>
             </a:fld>
             <a:endParaRPr lang="en-US" dirty="0"/>
           </a:p>
@@ -6158,7 +6159,7 @@
             <a:fld id="{B61BEF0D-F0BB-DE4B-95CE-6DB70DBA9567}" type="datetimeFigureOut">
               <a:rPr lang="en-US" dirty="0"/>
               <a:pPr/>
-              <a:t>5/22/2020</a:t>
+              <a:t>6/5/2020</a:t>
             </a:fld>
             <a:endParaRPr lang="en-US" dirty="0"/>
           </a:p>
@@ -6331,7 +6332,7 @@
             <a:fld id="{B61BEF0D-F0BB-DE4B-95CE-6DB70DBA9567}" type="datetimeFigureOut">
               <a:rPr lang="en-US" dirty="0"/>
               <a:pPr/>
-              <a:t>5/22/2020</a:t>
+              <a:t>6/5/2020</a:t>
             </a:fld>
             <a:endParaRPr lang="en-US" dirty="0"/>
           </a:p>
@@ -6575,7 +6576,7 @@
             <a:fld id="{B61BEF0D-F0BB-DE4B-95CE-6DB70DBA9567}" type="datetimeFigureOut">
               <a:rPr lang="en-US" dirty="0"/>
               <a:pPr/>
-              <a:t>5/22/2020</a:t>
+              <a:t>6/5/2020</a:t>
             </a:fld>
             <a:endParaRPr lang="en-US" dirty="0"/>
           </a:p>
@@ -6803,7 +6804,7 @@
           <a:p>
             <a:fld id="{EB712588-04B1-427B-82EE-E8DB90309F08}" type="datetimeFigureOut">
               <a:rPr lang="en-US" dirty="0"/>
-              <a:t>5/22/2020</a:t>
+              <a:t>6/5/2020</a:t>
             </a:fld>
             <a:endParaRPr lang="en-US" dirty="0"/>
           </a:p>
@@ -7173,7 +7174,7 @@
             <a:fld id="{B61BEF0D-F0BB-DE4B-95CE-6DB70DBA9567}" type="datetimeFigureOut">
               <a:rPr lang="en-US" dirty="0"/>
               <a:pPr/>
-              <a:t>5/22/2020</a:t>
+              <a:t>6/5/2020</a:t>
             </a:fld>
             <a:endParaRPr lang="en-US" dirty="0"/>
           </a:p>
@@ -7293,7 +7294,7 @@
             <a:fld id="{B61BEF0D-F0BB-DE4B-95CE-6DB70DBA9567}" type="datetimeFigureOut">
               <a:rPr lang="en-US" dirty="0"/>
               <a:pPr/>
-              <a:t>5/22/2020</a:t>
+              <a:t>6/5/2020</a:t>
             </a:fld>
             <a:endParaRPr lang="en-US" dirty="0"/>
           </a:p>
@@ -7385,7 +7386,7 @@
             <a:fld id="{B61BEF0D-F0BB-DE4B-95CE-6DB70DBA9567}" type="datetimeFigureOut">
               <a:rPr lang="en-US" dirty="0"/>
               <a:pPr/>
-              <a:t>5/22/2020</a:t>
+              <a:t>6/5/2020</a:t>
             </a:fld>
             <a:endParaRPr lang="en-US" dirty="0"/>
           </a:p>
@@ -7636,7 +7637,7 @@
           <a:p>
             <a:fld id="{42A54C80-263E-416B-A8E0-580EDEADCBDC}" type="datetimeFigureOut">
               <a:rPr lang="en-US" dirty="0"/>
-              <a:t>5/22/2020</a:t>
+              <a:t>6/5/2020</a:t>
             </a:fld>
             <a:endParaRPr lang="en-US" dirty="0"/>
           </a:p>
@@ -7895,7 +7896,7 @@
             <a:fld id="{B61BEF0D-F0BB-DE4B-95CE-6DB70DBA9567}" type="datetimeFigureOut">
               <a:rPr lang="en-US" dirty="0"/>
               <a:pPr/>
-              <a:t>5/22/2020</a:t>
+              <a:t>6/5/2020</a:t>
             </a:fld>
             <a:endParaRPr lang="en-US" dirty="0"/>
           </a:p>
@@ -8635,7 +8636,7 @@
             <a:fld id="{B61BEF0D-F0BB-DE4B-95CE-6DB70DBA9567}" type="datetimeFigureOut">
               <a:rPr lang="en-US" dirty="0"/>
               <a:pPr/>
-              <a:t>5/22/2020</a:t>
+              <a:t>6/5/2020</a:t>
             </a:fld>
             <a:endParaRPr lang="en-US" dirty="0"/>
           </a:p>
@@ -9998,6 +9999,199 @@
     <p:bg>
       <p:bgPr>
         <a:solidFill>
+          <a:schemeClr val="bg1"/>
+        </a:solidFill>
+        <a:effectLst/>
+      </p:bgPr>
+    </p:bg>
+    <p:spTree>
+      <p:nvGrpSpPr>
+        <p:cNvPr id="1" name=""/>
+        <p:cNvGrpSpPr/>
+        <p:nvPr/>
+      </p:nvGrpSpPr>
+      <p:grpSpPr>
+        <a:xfrm>
+          <a:off x="0" y="0"/>
+          <a:ext cx="0" cy="0"/>
+          <a:chOff x="0" y="0"/>
+          <a:chExt cx="0" cy="0"/>
+        </a:xfrm>
+      </p:grpSpPr>
+      <p:sp>
+        <p:nvSpPr>
+          <p:cNvPr id="65" name="Cím 1">
+            <a:extLst>
+              <a:ext uri="{FF2B5EF4-FFF2-40B4-BE49-F238E27FC236}">
+                <a16:creationId xmlns:a16="http://schemas.microsoft.com/office/drawing/2014/main" id="{D2708685-D035-4718-BFBF-1DEFBF064909}"/>
+              </a:ext>
+            </a:extLst>
+          </p:cNvPr>
+          <p:cNvSpPr>
+            <a:spLocks noGrp="1"/>
+          </p:cNvSpPr>
+          <p:nvPr>
+            <p:ph type="title"/>
+          </p:nvPr>
+        </p:nvSpPr>
+        <p:spPr>
+          <a:xfrm>
+            <a:off x="676746" y="609600"/>
+            <a:ext cx="3729076" cy="1320800"/>
+          </a:xfrm>
+        </p:spPr>
+        <p:txBody>
+          <a:bodyPr vert="horz" lIns="91440" tIns="45720" rIns="91440" bIns="45720" rtlCol="0" anchor="ctr">
+            <a:normAutofit/>
+          </a:bodyPr>
+          <a:lstStyle/>
+          <a:p>
+            <a:r>
+              <a:rPr lang="en-US" kern="1200" dirty="0">
+                <a:solidFill>
+                  <a:schemeClr val="tx1"/>
+                </a:solidFill>
+                <a:latin typeface="+mj-lt"/>
+                <a:ea typeface="+mj-ea"/>
+                <a:cs typeface="+mj-cs"/>
+              </a:rPr>
+              <a:t>Sequence Diagram</a:t>
+            </a:r>
+          </a:p>
+        </p:txBody>
+      </p:sp>
+      <p:pic>
+        <p:nvPicPr>
+          <p:cNvPr id="4" name="Kép 3" descr="A képen szöveg, térkép látható&#10;&#10;Automatikusan generált leírás">
+            <a:extLst>
+              <a:ext uri="{FF2B5EF4-FFF2-40B4-BE49-F238E27FC236}">
+                <a16:creationId xmlns:a16="http://schemas.microsoft.com/office/drawing/2014/main" id="{5EE0CDAD-F625-4D3A-88ED-7EFB6CB91C9E}"/>
+              </a:ext>
+            </a:extLst>
+          </p:cNvPr>
+          <p:cNvPicPr/>
+          <p:nvPr/>
+        </p:nvPicPr>
+        <p:blipFill rotWithShape="1">
+          <a:blip r:embed="rId2" cstate="print">
+            <a:extLst>
+              <a:ext uri="{28A0092B-C50C-407E-A947-70E740481C1C}">
+                <a14:useLocalDpi xmlns:a14="http://schemas.microsoft.com/office/drawing/2010/main" val="0"/>
+              </a:ext>
+            </a:extLst>
+          </a:blip>
+          <a:srcRect l="3014" t="5022" r="19681" b="12107"/>
+          <a:stretch/>
+        </p:blipFill>
+        <p:spPr bwMode="auto">
+          <a:xfrm>
+            <a:off x="3608173" y="0"/>
+            <a:ext cx="8583827" cy="6887366"/>
+          </a:xfrm>
+          <a:prstGeom prst="rect">
+            <a:avLst/>
+          </a:prstGeom>
+          <a:noFill/>
+          <a:extLst>
+            <a:ext uri="{53640926-AAD7-44D8-BBD7-CCE9431645EC}">
+              <a14:shadowObscured xmlns:a14="http://schemas.microsoft.com/office/drawing/2010/main"/>
+            </a:ext>
+          </a:extLst>
+        </p:spPr>
+      </p:pic>
+      <p:sp>
+        <p:nvSpPr>
+          <p:cNvPr id="2" name="Szövegdoboz 1">
+            <a:extLst>
+              <a:ext uri="{FF2B5EF4-FFF2-40B4-BE49-F238E27FC236}">
+                <a16:creationId xmlns:a16="http://schemas.microsoft.com/office/drawing/2014/main" id="{3E03FBFD-55F4-48CF-9381-4D9E9725E885}"/>
+              </a:ext>
+            </a:extLst>
+          </p:cNvPr>
+          <p:cNvSpPr txBox="1"/>
+          <p:nvPr/>
+        </p:nvSpPr>
+        <p:spPr>
+          <a:xfrm>
+            <a:off x="676746" y="2170668"/>
+            <a:ext cx="2135521" cy="369332"/>
+          </a:xfrm>
+          <a:prstGeom prst="rect">
+            <a:avLst/>
+          </a:prstGeom>
+          <a:noFill/>
+        </p:spPr>
+        <p:txBody>
+          <a:bodyPr wrap="none" rtlCol="0">
+            <a:spAutoFit/>
+          </a:bodyPr>
+          <a:lstStyle/>
+          <a:p>
+            <a:r>
+              <a:rPr lang="hu-HU" dirty="0"/>
+              <a:t>-Étrend generálása</a:t>
+            </a:r>
+          </a:p>
+        </p:txBody>
+      </p:sp>
+      <p:sp>
+        <p:nvSpPr>
+          <p:cNvPr id="5" name="Dia számának helye 5">
+            <a:extLst>
+              <a:ext uri="{FF2B5EF4-FFF2-40B4-BE49-F238E27FC236}">
+                <a16:creationId xmlns:a16="http://schemas.microsoft.com/office/drawing/2014/main" id="{526A0E31-51BB-4C86-97EE-C939A83149B2}"/>
+              </a:ext>
+            </a:extLst>
+          </p:cNvPr>
+          <p:cNvSpPr>
+            <a:spLocks noGrp="1"/>
+          </p:cNvSpPr>
+          <p:nvPr>
+            <p:ph type="sldNum" sz="quarter" idx="12"/>
+          </p:nvPr>
+        </p:nvSpPr>
+        <p:spPr>
+          <a:xfrm>
+            <a:off x="8580503" y="6305522"/>
+            <a:ext cx="683339" cy="365125"/>
+          </a:xfrm>
+        </p:spPr>
+        <p:txBody>
+          <a:bodyPr/>
+          <a:lstStyle/>
+          <a:p>
+            <a:fld id="{D57F1E4F-1CFF-5643-939E-217C01CDF565}" type="slidenum">
+              <a:rPr lang="en-US" smtClean="0"/>
+              <a:pPr/>
+              <a:t>10</a:t>
+            </a:fld>
+            <a:r>
+              <a:rPr lang="hu-HU" dirty="0"/>
+              <a:t>/10</a:t>
+            </a:r>
+            <a:endParaRPr lang="en-US" dirty="0"/>
+          </a:p>
+        </p:txBody>
+      </p:sp>
+    </p:spTree>
+    <p:extLst>
+      <p:ext uri="{BB962C8B-B14F-4D97-AF65-F5344CB8AC3E}">
+        <p14:creationId xmlns:p14="http://schemas.microsoft.com/office/powerpoint/2010/main" val="3365433189"/>
+      </p:ext>
+    </p:extLst>
+  </p:cSld>
+  <p:clrMapOvr>
+    <a:masterClrMapping/>
+  </p:clrMapOvr>
+</p:sld>
+</file>
+
+<file path=ppt/slides/slide11.xml><?xml version="1.0" encoding="utf-8"?>
+<p:sld xmlns:a="http://schemas.openxmlformats.org/drawingml/2006/main" xmlns:r="http://schemas.openxmlformats.org/officeDocument/2006/relationships" xmlns:p="http://schemas.openxmlformats.org/presentationml/2006/main">
+  <p:cSld>
+    <p:bg>
+      <p:bgPr>
+        <a:solidFill>
           <a:schemeClr val="bg2"/>
         </a:solidFill>
         <a:effectLst/>
@@ -11735,7 +11929,7 @@
             </a:fld>
             <a:r>
               <a:rPr lang="hu-HU" dirty="0"/>
-              <a:t>/9</a:t>
+              <a:t>/10</a:t>
             </a:r>
             <a:endParaRPr lang="en-US" dirty="0"/>
           </a:p>
@@ -12597,52 +12791,63 @@
           <a:lstStyle/>
           <a:p>
             <a:r>
-              <a:rPr lang="hu-HU"/>
+              <a:rPr lang="hu-HU" dirty="0"/>
               <a:t>Számos hasonló munka, már az 1960-as évektől</a:t>
             </a:r>
           </a:p>
           <a:p>
             <a:r>
-              <a:rPr lang="hu-HU"/>
+              <a:rPr lang="hu-HU" dirty="0"/>
               <a:t>1964: Balintfy: Lineáris Programozás</a:t>
             </a:r>
           </a:p>
           <a:p>
             <a:r>
-              <a:rPr lang="hu-HU"/>
+              <a:rPr lang="hu-HU" dirty="0"/>
               <a:t>CAMPER: CBR és RBR rendszer kombinációja</a:t>
             </a:r>
           </a:p>
           <a:p>
             <a:r>
-              <a:rPr lang="hu-HU"/>
+              <a:rPr lang="hu-HU" dirty="0"/>
               <a:t>MIKAS: CBR alapú, inkrementális tanulás</a:t>
             </a:r>
           </a:p>
           <a:p>
             <a:r>
-              <a:rPr lang="hu-HU"/>
+              <a:rPr lang="hu-HU" dirty="0"/>
               <a:t>Maláj kutatás: dietetikusok munkamenetét modellezi</a:t>
             </a:r>
           </a:p>
           <a:p>
             <a:r>
-              <a:rPr lang="hu-HU"/>
+              <a:rPr lang="hu-HU" dirty="0"/>
               <a:t>Kaharam és Seven: genetikus algoritmus</a:t>
             </a:r>
           </a:p>
           <a:p>
             <a:r>
-              <a:rPr lang="hu-HU"/>
-              <a:t>Vassányi, Gaál és Kozmann: többrétegű genetikus algoritmus</a:t>
+              <a:rPr lang="hu-HU" dirty="0" err="1"/>
+              <a:t>Vassányi</a:t>
             </a:r>
-          </a:p>
-          <a:p>
             <a:r>
-              <a:rPr lang="hu-HU"/>
+              <a:rPr lang="hu-HU" dirty="0"/>
+              <a:t>, Gaál és </a:t>
+            </a:r>
+            <a:r>
+              <a:rPr lang="hu-HU" dirty="0" err="1"/>
+              <a:t>Kozmann</a:t>
+            </a:r>
+            <a:r>
+              <a:rPr lang="hu-HU" dirty="0"/>
+              <a:t>: többrétegű genetikus algoritmus</a:t>
+            </a:r>
+          </a:p>
+          <a:p>
+            <a:r>
+              <a:rPr lang="hu-HU" dirty="0"/>
               <a:t>Dietetikus még nem kiiktatható, inkább munkáját kiegészíti</a:t>
             </a:r>
-            <a:endParaRPr lang="hu-HU" dirty="0"/>
           </a:p>
         </p:txBody>
       </p:sp>
@@ -12674,7 +12879,7 @@
             </a:fld>
             <a:r>
               <a:rPr lang="hu-HU" dirty="0"/>
-              <a:t>/9</a:t>
+              <a:t>/10</a:t>
             </a:r>
             <a:endParaRPr lang="en-US" dirty="0"/>
           </a:p>
@@ -13550,9 +13755,9 @@
             </a:fld>
             <a:r>
               <a:rPr lang="hu-HU" dirty="0"/>
-              <a:t>/9</a:t>
+              <a:t>/10</a:t>
             </a:r>
-            <a:endParaRPr lang="en-US"/>
+            <a:endParaRPr lang="en-US" dirty="0"/>
           </a:p>
         </p:txBody>
       </p:sp>
@@ -13620,6 +13825,1014 @@
           </a:p>
         </p:txBody>
       </p:sp>
+      <mc:AlternateContent xmlns:mc="http://schemas.openxmlformats.org/markup-compatibility/2006" xmlns:a14="http://schemas.microsoft.com/office/drawing/2010/main">
+        <mc:Choice Requires="a14">
+          <p:sp>
+            <p:nvSpPr>
+              <p:cNvPr id="4" name="Téglalap 3">
+                <a:extLst>
+                  <a:ext uri="{FF2B5EF4-FFF2-40B4-BE49-F238E27FC236}">
+                    <a16:creationId xmlns:a16="http://schemas.microsoft.com/office/drawing/2014/main" id="{06C02534-E721-4D58-ABD2-B3F0B91A2F71}"/>
+                  </a:ext>
+                </a:extLst>
+              </p:cNvPr>
+              <p:cNvSpPr/>
+              <p:nvPr/>
+            </p:nvSpPr>
+            <p:spPr>
+              <a:xfrm>
+                <a:off x="4812750" y="2015067"/>
+                <a:ext cx="6096000" cy="3144835"/>
+              </a:xfrm>
+              <a:prstGeom prst="rect">
+                <a:avLst/>
+              </a:prstGeom>
+            </p:spPr>
+            <p:txBody>
+              <a:bodyPr>
+                <a:spAutoFit/>
+              </a:bodyPr>
+              <a:lstStyle/>
+              <a:p>
+                <a:pPr algn="just">
+                  <a:lnSpc>
+                    <a:spcPct val="115000"/>
+                  </a:lnSpc>
+                  <a:spcBef>
+                    <a:spcPts val="600"/>
+                  </a:spcBef>
+                  <a:spcAft>
+                    <a:spcPts val="1200"/>
+                  </a:spcAft>
+                </a:pPr>
+                <a14:m>
+                  <m:oMathPara xmlns:m="http://schemas.openxmlformats.org/officeDocument/2006/math">
+                    <m:oMathParaPr>
+                      <m:jc m:val="centerGroup"/>
+                    </m:oMathParaPr>
+                    <m:oMath xmlns:m="http://schemas.openxmlformats.org/officeDocument/2006/math">
+                      <m:func>
+                        <m:funcPr>
+                          <m:ctrlPr>
+                            <a:rPr lang="hu-HU" i="1">
+                              <a:latin typeface="Cambria Math" panose="02040503050406030204" pitchFamily="18" charset="0"/>
+                              <a:ea typeface="Calibri" panose="020F0502020204030204" pitchFamily="34" charset="0"/>
+                            </a:rPr>
+                          </m:ctrlPr>
+                        </m:funcPr>
+                        <m:fName>
+                          <m:r>
+                            <m:rPr>
+                              <m:sty m:val="p"/>
+                            </m:rPr>
+                            <a:rPr lang="hu-HU">
+                              <a:latin typeface="Cambria Math" panose="02040503050406030204" pitchFamily="18" charset="0"/>
+                              <a:ea typeface="Calibri" panose="020F0502020204030204" pitchFamily="34" charset="0"/>
+                            </a:rPr>
+                            <m:t>max</m:t>
+                          </m:r>
+                        </m:fName>
+                        <m:e>
+                          <m:d>
+                            <m:dPr>
+                              <m:ctrlPr>
+                                <a:rPr lang="hu-HU" i="1">
+                                  <a:latin typeface="Cambria Math" panose="02040503050406030204" pitchFamily="18" charset="0"/>
+                                  <a:ea typeface="Calibri" panose="020F0502020204030204" pitchFamily="34" charset="0"/>
+                                </a:rPr>
+                              </m:ctrlPr>
+                            </m:dPr>
+                            <m:e>
+                              <m:nary>
+                                <m:naryPr>
+                                  <m:chr m:val="∑"/>
+                                  <m:limLoc m:val="undOvr"/>
+                                  <m:ctrlPr>
+                                    <a:rPr lang="hu-HU" i="1">
+                                      <a:latin typeface="Cambria Math" panose="02040503050406030204" pitchFamily="18" charset="0"/>
+                                      <a:ea typeface="Calibri" panose="020F0502020204030204" pitchFamily="34" charset="0"/>
+                                    </a:rPr>
+                                  </m:ctrlPr>
+                                </m:naryPr>
+                                <m:sub>
+                                  <m:r>
+                                    <a:rPr lang="hu-HU" i="1">
+                                      <a:latin typeface="Cambria Math" panose="02040503050406030204" pitchFamily="18" charset="0"/>
+                                      <a:ea typeface="Calibri" panose="020F0502020204030204" pitchFamily="34" charset="0"/>
+                                    </a:rPr>
+                                    <m:t>𝑗</m:t>
+                                  </m:r>
+                                  <m:r>
+                                    <a:rPr lang="hu-HU">
+                                      <a:latin typeface="Cambria Math" panose="02040503050406030204" pitchFamily="18" charset="0"/>
+                                      <a:ea typeface="Calibri" panose="020F0502020204030204" pitchFamily="34" charset="0"/>
+                                    </a:rPr>
+                                    <m:t>=1</m:t>
+                                  </m:r>
+                                </m:sub>
+                                <m:sup>
+                                  <m:r>
+                                    <a:rPr lang="hu-HU" i="1">
+                                      <a:latin typeface="Cambria Math" panose="02040503050406030204" pitchFamily="18" charset="0"/>
+                                      <a:ea typeface="Calibri" panose="020F0502020204030204" pitchFamily="34" charset="0"/>
+                                    </a:rPr>
+                                    <m:t>𝑛</m:t>
+                                  </m:r>
+                                </m:sup>
+                                <m:e>
+                                  <m:sSub>
+                                    <m:sSubPr>
+                                      <m:ctrlPr>
+                                        <a:rPr lang="hu-HU" i="1">
+                                          <a:latin typeface="Cambria Math" panose="02040503050406030204" pitchFamily="18" charset="0"/>
+                                          <a:ea typeface="Calibri" panose="020F0502020204030204" pitchFamily="34" charset="0"/>
+                                        </a:rPr>
+                                      </m:ctrlPr>
+                                    </m:sSubPr>
+                                    <m:e>
+                                      <m:r>
+                                        <a:rPr lang="hu-HU" i="1">
+                                          <a:latin typeface="Cambria Math" panose="02040503050406030204" pitchFamily="18" charset="0"/>
+                                          <a:ea typeface="Calibri" panose="020F0502020204030204" pitchFamily="34" charset="0"/>
+                                        </a:rPr>
+                                        <m:t>𝑥</m:t>
+                                      </m:r>
+                                    </m:e>
+                                    <m:sub>
+                                      <m:r>
+                                        <a:rPr lang="hu-HU" i="1">
+                                          <a:latin typeface="Cambria Math" panose="02040503050406030204" pitchFamily="18" charset="0"/>
+                                          <a:ea typeface="Calibri" panose="020F0502020204030204" pitchFamily="34" charset="0"/>
+                                        </a:rPr>
+                                        <m:t>𝑗</m:t>
+                                      </m:r>
+                                    </m:sub>
+                                  </m:sSub>
+                                  <m:r>
+                                    <a:rPr lang="hu-HU" i="1">
+                                      <a:latin typeface="Cambria Math" panose="02040503050406030204" pitchFamily="18" charset="0"/>
+                                      <a:ea typeface="Calibri" panose="020F0502020204030204" pitchFamily="34" charset="0"/>
+                                    </a:rPr>
+                                    <m:t>∗</m:t>
+                                  </m:r>
+                                  <m:r>
+                                    <a:rPr lang="hu-HU">
+                                      <a:latin typeface="Cambria Math" panose="02040503050406030204" pitchFamily="18" charset="0"/>
+                                      <a:ea typeface="Calibri" panose="020F0502020204030204" pitchFamily="34" charset="0"/>
+                                    </a:rPr>
+                                    <m:t> </m:t>
+                                  </m:r>
+                                  <m:sSub>
+                                    <m:sSubPr>
+                                      <m:ctrlPr>
+                                        <a:rPr lang="hu-HU" i="1">
+                                          <a:latin typeface="Cambria Math" panose="02040503050406030204" pitchFamily="18" charset="0"/>
+                                          <a:ea typeface="Calibri" panose="020F0502020204030204" pitchFamily="34" charset="0"/>
+                                        </a:rPr>
+                                      </m:ctrlPr>
+                                    </m:sSubPr>
+                                    <m:e>
+                                      <m:d>
+                                        <m:dPr>
+                                          <m:ctrlPr>
+                                            <a:rPr lang="hu-HU" i="1">
+                                              <a:latin typeface="Cambria Math" panose="02040503050406030204" pitchFamily="18" charset="0"/>
+                                              <a:ea typeface="Calibri" panose="020F0502020204030204" pitchFamily="34" charset="0"/>
+                                            </a:rPr>
+                                          </m:ctrlPr>
+                                        </m:dPr>
+                                        <m:e>
+                                          <m:r>
+                                            <a:rPr lang="hu-HU" i="1">
+                                              <a:latin typeface="Cambria Math" panose="02040503050406030204" pitchFamily="18" charset="0"/>
+                                              <a:ea typeface="Calibri" panose="020F0502020204030204" pitchFamily="34" charset="0"/>
+                                            </a:rPr>
+                                            <m:t>𝑝𝑜𝑛𝑡𝑠𝑧</m:t>
+                                          </m:r>
+                                          <m:r>
+                                            <a:rPr lang="hu-HU">
+                                              <a:latin typeface="Cambria Math" panose="02040503050406030204" pitchFamily="18" charset="0"/>
+                                              <a:ea typeface="Calibri" panose="020F0502020204030204" pitchFamily="34" charset="0"/>
+                                            </a:rPr>
+                                            <m:t>á</m:t>
+                                          </m:r>
+                                          <m:r>
+                                            <a:rPr lang="hu-HU" i="1">
+                                              <a:latin typeface="Cambria Math" panose="02040503050406030204" pitchFamily="18" charset="0"/>
+                                              <a:ea typeface="Calibri" panose="020F0502020204030204" pitchFamily="34" charset="0"/>
+                                            </a:rPr>
+                                            <m:t>𝑚</m:t>
+                                          </m:r>
+                                        </m:e>
+                                      </m:d>
+                                    </m:e>
+                                    <m:sub>
+                                      <m:r>
+                                        <a:rPr lang="hu-HU" i="1">
+                                          <a:latin typeface="Cambria Math" panose="02040503050406030204" pitchFamily="18" charset="0"/>
+                                          <a:ea typeface="Calibri" panose="020F0502020204030204" pitchFamily="34" charset="0"/>
+                                        </a:rPr>
+                                        <m:t>𝑗</m:t>
+                                      </m:r>
+                                    </m:sub>
+                                  </m:sSub>
+                                </m:e>
+                              </m:nary>
+                            </m:e>
+                          </m:d>
+                        </m:e>
+                      </m:func>
+                      <m:r>
+                        <a:rPr lang="hu-HU">
+                          <a:latin typeface="Cambria Math" panose="02040503050406030204" pitchFamily="18" charset="0"/>
+                          <a:ea typeface="Calibri" panose="020F0502020204030204" pitchFamily="34" charset="0"/>
+                        </a:rPr>
+                        <m:t>;</m:t>
+                      </m:r>
+                      <m:func>
+                        <m:funcPr>
+                          <m:ctrlPr>
+                            <a:rPr lang="hu-HU" i="1">
+                              <a:latin typeface="Cambria Math" panose="02040503050406030204" pitchFamily="18" charset="0"/>
+                              <a:ea typeface="Calibri" panose="020F0502020204030204" pitchFamily="34" charset="0"/>
+                            </a:rPr>
+                          </m:ctrlPr>
+                        </m:funcPr>
+                        <m:fName>
+                          <m:r>
+                            <m:rPr>
+                              <m:sty m:val="p"/>
+                            </m:rPr>
+                            <a:rPr lang="hu-HU">
+                              <a:latin typeface="Cambria Math" panose="02040503050406030204" pitchFamily="18" charset="0"/>
+                              <a:ea typeface="Calibri" panose="020F0502020204030204" pitchFamily="34" charset="0"/>
+                            </a:rPr>
+                            <m:t>min</m:t>
+                          </m:r>
+                        </m:fName>
+                        <m:e>
+                          <m:d>
+                            <m:dPr>
+                              <m:ctrlPr>
+                                <a:rPr lang="hu-HU" i="1">
+                                  <a:latin typeface="Cambria Math" panose="02040503050406030204" pitchFamily="18" charset="0"/>
+                                  <a:ea typeface="Calibri" panose="020F0502020204030204" pitchFamily="34" charset="0"/>
+                                </a:rPr>
+                              </m:ctrlPr>
+                            </m:dPr>
+                            <m:e>
+                              <m:nary>
+                                <m:naryPr>
+                                  <m:chr m:val="∑"/>
+                                  <m:limLoc m:val="undOvr"/>
+                                  <m:ctrlPr>
+                                    <a:rPr lang="hu-HU" i="1">
+                                      <a:latin typeface="Cambria Math" panose="02040503050406030204" pitchFamily="18" charset="0"/>
+                                      <a:ea typeface="Calibri" panose="020F0502020204030204" pitchFamily="34" charset="0"/>
+                                    </a:rPr>
+                                  </m:ctrlPr>
+                                </m:naryPr>
+                                <m:sub>
+                                  <m:r>
+                                    <a:rPr lang="hu-HU" i="1">
+                                      <a:latin typeface="Cambria Math" panose="02040503050406030204" pitchFamily="18" charset="0"/>
+                                      <a:ea typeface="Calibri" panose="020F0502020204030204" pitchFamily="34" charset="0"/>
+                                    </a:rPr>
+                                    <m:t>𝑗</m:t>
+                                  </m:r>
+                                  <m:r>
+                                    <a:rPr lang="hu-HU">
+                                      <a:latin typeface="Cambria Math" panose="02040503050406030204" pitchFamily="18" charset="0"/>
+                                      <a:ea typeface="Calibri" panose="020F0502020204030204" pitchFamily="34" charset="0"/>
+                                    </a:rPr>
+                                    <m:t>=1</m:t>
+                                  </m:r>
+                                </m:sub>
+                                <m:sup>
+                                  <m:r>
+                                    <a:rPr lang="hu-HU" i="1">
+                                      <a:latin typeface="Cambria Math" panose="02040503050406030204" pitchFamily="18" charset="0"/>
+                                      <a:ea typeface="Calibri" panose="020F0502020204030204" pitchFamily="34" charset="0"/>
+                                    </a:rPr>
+                                    <m:t>𝑛</m:t>
+                                  </m:r>
+                                </m:sup>
+                                <m:e>
+                                  <m:sSub>
+                                    <m:sSubPr>
+                                      <m:ctrlPr>
+                                        <a:rPr lang="hu-HU" i="1">
+                                          <a:latin typeface="Cambria Math" panose="02040503050406030204" pitchFamily="18" charset="0"/>
+                                          <a:ea typeface="Calibri" panose="020F0502020204030204" pitchFamily="34" charset="0"/>
+                                        </a:rPr>
+                                      </m:ctrlPr>
+                                    </m:sSubPr>
+                                    <m:e>
+                                      <m:r>
+                                        <a:rPr lang="hu-HU" i="1">
+                                          <a:latin typeface="Cambria Math" panose="02040503050406030204" pitchFamily="18" charset="0"/>
+                                          <a:ea typeface="Calibri" panose="020F0502020204030204" pitchFamily="34" charset="0"/>
+                                        </a:rPr>
+                                        <m:t>𝑥</m:t>
+                                      </m:r>
+                                    </m:e>
+                                    <m:sub>
+                                      <m:r>
+                                        <a:rPr lang="hu-HU" i="1">
+                                          <a:latin typeface="Cambria Math" panose="02040503050406030204" pitchFamily="18" charset="0"/>
+                                          <a:ea typeface="Calibri" panose="020F0502020204030204" pitchFamily="34" charset="0"/>
+                                        </a:rPr>
+                                        <m:t>𝑗</m:t>
+                                      </m:r>
+                                    </m:sub>
+                                  </m:sSub>
+                                  <m:r>
+                                    <a:rPr lang="hu-HU" i="1">
+                                      <a:latin typeface="Cambria Math" panose="02040503050406030204" pitchFamily="18" charset="0"/>
+                                      <a:ea typeface="Calibri" panose="020F0502020204030204" pitchFamily="34" charset="0"/>
+                                    </a:rPr>
+                                    <m:t>∗</m:t>
+                                  </m:r>
+                                  <m:sSub>
+                                    <m:sSubPr>
+                                      <m:ctrlPr>
+                                        <a:rPr lang="hu-HU" i="1">
+                                          <a:latin typeface="Cambria Math" panose="02040503050406030204" pitchFamily="18" charset="0"/>
+                                          <a:ea typeface="Calibri" panose="020F0502020204030204" pitchFamily="34" charset="0"/>
+                                        </a:rPr>
+                                      </m:ctrlPr>
+                                    </m:sSubPr>
+                                    <m:e>
+                                      <m:d>
+                                        <m:dPr>
+                                          <m:ctrlPr>
+                                            <a:rPr lang="hu-HU" i="1">
+                                              <a:latin typeface="Cambria Math" panose="02040503050406030204" pitchFamily="18" charset="0"/>
+                                              <a:ea typeface="Calibri" panose="020F0502020204030204" pitchFamily="34" charset="0"/>
+                                            </a:rPr>
+                                          </m:ctrlPr>
+                                        </m:dPr>
+                                        <m:e>
+                                          <m:r>
+                                            <a:rPr lang="hu-HU" i="1">
+                                              <a:latin typeface="Cambria Math" panose="02040503050406030204" pitchFamily="18" charset="0"/>
+                                              <a:ea typeface="Calibri" panose="020F0502020204030204" pitchFamily="34" charset="0"/>
+                                            </a:rPr>
+                                            <m:t>𝑡</m:t>
+                                          </m:r>
+                                          <m:r>
+                                            <a:rPr lang="hu-HU">
+                                              <a:latin typeface="Cambria Math" panose="02040503050406030204" pitchFamily="18" charset="0"/>
+                                              <a:ea typeface="Calibri" panose="020F0502020204030204" pitchFamily="34" charset="0"/>
+                                            </a:rPr>
+                                            <m:t>á</m:t>
+                                          </m:r>
+                                          <m:r>
+                                            <a:rPr lang="hu-HU" i="1">
+                                              <a:latin typeface="Cambria Math" panose="02040503050406030204" pitchFamily="18" charset="0"/>
+                                              <a:ea typeface="Calibri" panose="020F0502020204030204" pitchFamily="34" charset="0"/>
+                                            </a:rPr>
+                                            <m:t>𝑝𝑎𝑛𝑦𝑎𝑔</m:t>
+                                          </m:r>
+                                          <m:r>
+                                            <a:rPr lang="hu-HU">
+                                              <a:latin typeface="Cambria Math" panose="02040503050406030204" pitchFamily="18" charset="0"/>
+                                              <a:ea typeface="Calibri" panose="020F0502020204030204" pitchFamily="34" charset="0"/>
+                                            </a:rPr>
+                                            <m:t> </m:t>
+                                          </m:r>
+                                          <m:r>
+                                            <a:rPr lang="hu-HU" i="1">
+                                              <a:latin typeface="Cambria Math" panose="02040503050406030204" pitchFamily="18" charset="0"/>
+                                              <a:ea typeface="Calibri" panose="020F0502020204030204" pitchFamily="34" charset="0"/>
+                                            </a:rPr>
+                                            <m:t>h𝑖𝑏𝑎</m:t>
+                                          </m:r>
+                                        </m:e>
+                                      </m:d>
+                                    </m:e>
+                                    <m:sub>
+                                      <m:r>
+                                        <a:rPr lang="hu-HU" i="1">
+                                          <a:latin typeface="Cambria Math" panose="02040503050406030204" pitchFamily="18" charset="0"/>
+                                          <a:ea typeface="Calibri" panose="020F0502020204030204" pitchFamily="34" charset="0"/>
+                                        </a:rPr>
+                                        <m:t>𝑗</m:t>
+                                      </m:r>
+                                    </m:sub>
+                                  </m:sSub>
+                                </m:e>
+                              </m:nary>
+                            </m:e>
+                          </m:d>
+                        </m:e>
+                      </m:func>
+                    </m:oMath>
+                  </m:oMathPara>
+                </a14:m>
+                <a:endParaRPr lang="hu-HU" dirty="0">
+                  <a:latin typeface="Times New Roman" panose="02020603050405020304" pitchFamily="18" charset="0"/>
+                  <a:ea typeface="Calibri" panose="020F0502020204030204" pitchFamily="34" charset="0"/>
+                </a:endParaRPr>
+              </a:p>
+              <a:p>
+                <a:pPr algn="just">
+                  <a:lnSpc>
+                    <a:spcPct val="115000"/>
+                  </a:lnSpc>
+                  <a:spcBef>
+                    <a:spcPts val="600"/>
+                  </a:spcBef>
+                  <a:spcAft>
+                    <a:spcPts val="1200"/>
+                  </a:spcAft>
+                </a:pPr>
+                <a14:m>
+                  <m:oMathPara xmlns:m="http://schemas.openxmlformats.org/officeDocument/2006/math">
+                    <m:oMathParaPr>
+                      <m:jc m:val="centerGroup"/>
+                    </m:oMathParaPr>
+                    <m:oMath xmlns:m="http://schemas.openxmlformats.org/officeDocument/2006/math">
+                      <m:d>
+                        <m:dPr>
+                          <m:begChr m:val="{"/>
+                          <m:endChr m:val=""/>
+                          <m:ctrlPr>
+                            <a:rPr lang="hu-HU" i="1">
+                              <a:latin typeface="Cambria Math" panose="02040503050406030204" pitchFamily="18" charset="0"/>
+                              <a:ea typeface="Calibri" panose="020F0502020204030204" pitchFamily="34" charset="0"/>
+                            </a:rPr>
+                          </m:ctrlPr>
+                        </m:dPr>
+                        <m:e>
+                          <m:eqArr>
+                            <m:eqArrPr>
+                              <m:ctrlPr>
+                                <a:rPr lang="hu-HU" i="1">
+                                  <a:latin typeface="Cambria Math" panose="02040503050406030204" pitchFamily="18" charset="0"/>
+                                  <a:ea typeface="Calibri" panose="020F0502020204030204" pitchFamily="34" charset="0"/>
+                                </a:rPr>
+                              </m:ctrlPr>
+                            </m:eqArrPr>
+                            <m:e>
+                              <m:sSub>
+                                <m:sSubPr>
+                                  <m:ctrlPr>
+                                    <a:rPr lang="hu-HU" i="1">
+                                      <a:latin typeface="Cambria Math" panose="02040503050406030204" pitchFamily="18" charset="0"/>
+                                      <a:ea typeface="Calibri" panose="020F0502020204030204" pitchFamily="34" charset="0"/>
+                                    </a:rPr>
+                                  </m:ctrlPr>
+                                </m:sSubPr>
+                                <m:e>
+                                  <m:r>
+                                    <a:rPr lang="hu-HU" i="1">
+                                      <a:latin typeface="Cambria Math" panose="02040503050406030204" pitchFamily="18" charset="0"/>
+                                      <a:ea typeface="Calibri" panose="020F0502020204030204" pitchFamily="34" charset="0"/>
+                                    </a:rPr>
+                                    <m:t>𝑥</m:t>
+                                  </m:r>
+                                </m:e>
+                                <m:sub>
+                                  <m:r>
+                                    <a:rPr lang="hu-HU" i="1">
+                                      <a:latin typeface="Cambria Math" panose="02040503050406030204" pitchFamily="18" charset="0"/>
+                                      <a:ea typeface="Calibri" panose="020F0502020204030204" pitchFamily="34" charset="0"/>
+                                    </a:rPr>
+                                    <m:t>𝑗</m:t>
+                                  </m:r>
+                                </m:sub>
+                              </m:sSub>
+                              <m:r>
+                                <a:rPr lang="hu-HU" i="1">
+                                  <a:latin typeface="Cambria Math" panose="02040503050406030204" pitchFamily="18" charset="0"/>
+                                  <a:ea typeface="Calibri" panose="020F0502020204030204" pitchFamily="34" charset="0"/>
+                                </a:rPr>
+                                <m:t>∗</m:t>
+                              </m:r>
+                              <m:r>
+                                <a:rPr lang="hu-HU">
+                                  <a:latin typeface="Cambria Math" panose="02040503050406030204" pitchFamily="18" charset="0"/>
+                                  <a:ea typeface="Calibri" panose="020F0502020204030204" pitchFamily="34" charset="0"/>
+                                </a:rPr>
+                                <m:t> </m:t>
+                              </m:r>
+                              <m:sSub>
+                                <m:sSubPr>
+                                  <m:ctrlPr>
+                                    <a:rPr lang="hu-HU" i="1">
+                                      <a:latin typeface="Cambria Math" panose="02040503050406030204" pitchFamily="18" charset="0"/>
+                                      <a:ea typeface="Calibri" panose="020F0502020204030204" pitchFamily="34" charset="0"/>
+                                    </a:rPr>
+                                  </m:ctrlPr>
+                                </m:sSubPr>
+                                <m:e>
+                                  <m:r>
+                                    <a:rPr lang="hu-HU" i="1">
+                                      <a:latin typeface="Cambria Math" panose="02040503050406030204" pitchFamily="18" charset="0"/>
+                                      <a:ea typeface="Calibri" panose="020F0502020204030204" pitchFamily="34" charset="0"/>
+                                    </a:rPr>
+                                    <m:t>𝑟</m:t>
+                                  </m:r>
+                                </m:e>
+                                <m:sub>
+                                  <m:r>
+                                    <a:rPr lang="hu-HU" i="1">
+                                      <a:latin typeface="Cambria Math" panose="02040503050406030204" pitchFamily="18" charset="0"/>
+                                      <a:ea typeface="Calibri" panose="020F0502020204030204" pitchFamily="34" charset="0"/>
+                                    </a:rPr>
+                                    <m:t>𝑖𝑗</m:t>
+                                  </m:r>
+                                </m:sub>
+                              </m:sSub>
+                              <m:r>
+                                <a:rPr lang="hu-HU">
+                                  <a:latin typeface="Cambria Math" panose="02040503050406030204" pitchFamily="18" charset="0"/>
+                                  <a:ea typeface="Calibri" panose="020F0502020204030204" pitchFamily="34" charset="0"/>
+                                </a:rPr>
+                                <m:t>≤</m:t>
+                              </m:r>
+                              <m:sSub>
+                                <m:sSubPr>
+                                  <m:ctrlPr>
+                                    <a:rPr lang="hu-HU" i="1">
+                                      <a:latin typeface="Cambria Math" panose="02040503050406030204" pitchFamily="18" charset="0"/>
+                                      <a:ea typeface="Calibri" panose="020F0502020204030204" pitchFamily="34" charset="0"/>
+                                    </a:rPr>
+                                  </m:ctrlPr>
+                                </m:sSubPr>
+                                <m:e>
+                                  <m:r>
+                                    <a:rPr lang="hu-HU" i="1">
+                                      <a:latin typeface="Cambria Math" panose="02040503050406030204" pitchFamily="18" charset="0"/>
+                                      <a:ea typeface="Calibri" panose="020F0502020204030204" pitchFamily="34" charset="0"/>
+                                    </a:rPr>
+                                    <m:t>𝑐</m:t>
+                                  </m:r>
+                                </m:e>
+                                <m:sub>
+                                  <m:r>
+                                    <a:rPr lang="hu-HU" i="1">
+                                      <a:latin typeface="Cambria Math" panose="02040503050406030204" pitchFamily="18" charset="0"/>
+                                      <a:ea typeface="Calibri" panose="020F0502020204030204" pitchFamily="34" charset="0"/>
+                                    </a:rPr>
+                                    <m:t>𝑖</m:t>
+                                  </m:r>
+                                </m:sub>
+                              </m:sSub>
+                              <m:r>
+                                <a:rPr lang="hu-HU">
+                                  <a:latin typeface="Cambria Math" panose="02040503050406030204" pitchFamily="18" charset="0"/>
+                                  <a:ea typeface="Calibri" panose="020F0502020204030204" pitchFamily="34" charset="0"/>
+                                </a:rPr>
+                                <m:t> </m:t>
+                              </m:r>
+                              <m:r>
+                                <a:rPr lang="hu-HU" i="1">
+                                  <a:latin typeface="Cambria Math" panose="02040503050406030204" pitchFamily="18" charset="0"/>
+                                  <a:ea typeface="Times New Roman" panose="02020603050405020304" pitchFamily="18" charset="0"/>
+                                </a:rPr>
+                                <m:t>𝑖</m:t>
+                              </m:r>
+                              <m:r>
+                                <a:rPr lang="hu-HU">
+                                  <a:latin typeface="Cambria Math" panose="02040503050406030204" pitchFamily="18" charset="0"/>
+                                  <a:ea typeface="Times New Roman" panose="02020603050405020304" pitchFamily="18" charset="0"/>
+                                </a:rPr>
+                                <m:t> ∈{1,2, …,</m:t>
+                              </m:r>
+                              <m:r>
+                                <a:rPr lang="hu-HU" i="1">
+                                  <a:latin typeface="Cambria Math" panose="02040503050406030204" pitchFamily="18" charset="0"/>
+                                  <a:ea typeface="Times New Roman" panose="02020603050405020304" pitchFamily="18" charset="0"/>
+                                </a:rPr>
+                                <m:t>𝑚</m:t>
+                              </m:r>
+                              <m:r>
+                                <a:rPr lang="hu-HU">
+                                  <a:latin typeface="Cambria Math" panose="02040503050406030204" pitchFamily="18" charset="0"/>
+                                  <a:ea typeface="Times New Roman" panose="02020603050405020304" pitchFamily="18" charset="0"/>
+                                </a:rPr>
+                                <m:t>}</m:t>
+                              </m:r>
+                            </m:e>
+                            <m:e>
+                              <m:r>
+                                <a:rPr lang="hu-HU" i="1">
+                                  <a:latin typeface="Cambria Math" panose="02040503050406030204" pitchFamily="18" charset="0"/>
+                                  <a:ea typeface="Calibri" panose="020F0502020204030204" pitchFamily="34" charset="0"/>
+                                </a:rPr>
+                                <m:t>𝑉</m:t>
+                              </m:r>
+                              <m:r>
+                                <a:rPr lang="hu-HU">
+                                  <a:latin typeface="Cambria Math" panose="02040503050406030204" pitchFamily="18" charset="0"/>
+                                  <a:ea typeface="Calibri" panose="020F0502020204030204" pitchFamily="34" charset="0"/>
+                                </a:rPr>
+                                <m:t>á</m:t>
+                              </m:r>
+                              <m:r>
+                                <a:rPr lang="hu-HU" i="1">
+                                  <a:latin typeface="Cambria Math" panose="02040503050406030204" pitchFamily="18" charset="0"/>
+                                  <a:ea typeface="Calibri" panose="020F0502020204030204" pitchFamily="34" charset="0"/>
+                                </a:rPr>
+                                <m:t>𝑙𝑡𝑜𝑧𝑎𝑡𝑜𝑠𝑠</m:t>
+                              </m:r>
+                              <m:r>
+                                <a:rPr lang="hu-HU">
+                                  <a:latin typeface="Cambria Math" panose="02040503050406030204" pitchFamily="18" charset="0"/>
+                                  <a:ea typeface="Calibri" panose="020F0502020204030204" pitchFamily="34" charset="0"/>
+                                </a:rPr>
+                                <m:t>á</m:t>
+                              </m:r>
+                              <m:r>
+                                <a:rPr lang="hu-HU" i="1">
+                                  <a:latin typeface="Cambria Math" panose="02040503050406030204" pitchFamily="18" charset="0"/>
+                                  <a:ea typeface="Calibri" panose="020F0502020204030204" pitchFamily="34" charset="0"/>
+                                </a:rPr>
+                                <m:t>𝑔</m:t>
+                              </m:r>
+                              <m:r>
+                                <a:rPr lang="hu-HU">
+                                  <a:latin typeface="Cambria Math" panose="02040503050406030204" pitchFamily="18" charset="0"/>
+                                  <a:ea typeface="Calibri" panose="020F0502020204030204" pitchFamily="34" charset="0"/>
+                                </a:rPr>
+                                <m:t> </m:t>
+                              </m:r>
+                              <m:r>
+                                <a:rPr lang="hu-HU" i="1">
+                                  <a:latin typeface="Cambria Math" panose="02040503050406030204" pitchFamily="18" charset="0"/>
+                                  <a:ea typeface="Calibri" panose="020F0502020204030204" pitchFamily="34" charset="0"/>
+                                </a:rPr>
+                                <m:t>𝑚𝑒𝑔𝑘</m:t>
+                              </m:r>
+                              <m:r>
+                                <a:rPr lang="hu-HU">
+                                  <a:latin typeface="Cambria Math" panose="02040503050406030204" pitchFamily="18" charset="0"/>
+                                  <a:ea typeface="Calibri" panose="020F0502020204030204" pitchFamily="34" charset="0"/>
+                                </a:rPr>
+                                <m:t>ö</m:t>
+                              </m:r>
+                              <m:r>
+                                <a:rPr lang="hu-HU" i="1">
+                                  <a:latin typeface="Cambria Math" panose="02040503050406030204" pitchFamily="18" charset="0"/>
+                                  <a:ea typeface="Calibri" panose="020F0502020204030204" pitchFamily="34" charset="0"/>
+                                </a:rPr>
+                                <m:t>𝑡</m:t>
+                              </m:r>
+                              <m:r>
+                                <a:rPr lang="hu-HU">
+                                  <a:latin typeface="Cambria Math" panose="02040503050406030204" pitchFamily="18" charset="0"/>
+                                  <a:ea typeface="Calibri" panose="020F0502020204030204" pitchFamily="34" charset="0"/>
+                                </a:rPr>
+                                <m:t>é</m:t>
+                              </m:r>
+                              <m:r>
+                                <a:rPr lang="hu-HU" i="1">
+                                  <a:latin typeface="Cambria Math" panose="02040503050406030204" pitchFamily="18" charset="0"/>
+                                  <a:ea typeface="Calibri" panose="020F0502020204030204" pitchFamily="34" charset="0"/>
+                                </a:rPr>
+                                <m:t>𝑠</m:t>
+                              </m:r>
+                            </m:e>
+                            <m:e>
+                              <m:r>
+                                <a:rPr lang="hu-HU" i="1">
+                                  <a:latin typeface="Cambria Math" panose="02040503050406030204" pitchFamily="18" charset="0"/>
+                                  <a:ea typeface="Calibri" panose="020F0502020204030204" pitchFamily="34" charset="0"/>
+                                </a:rPr>
+                                <m:t>𝐾𝑜𝑛𝑧𝑖𝑠𝑧𝑡𝑒𝑛𝑐𝑖𝑎</m:t>
+                              </m:r>
+                              <m:r>
+                                <a:rPr lang="hu-HU">
+                                  <a:latin typeface="Cambria Math" panose="02040503050406030204" pitchFamily="18" charset="0"/>
+                                  <a:ea typeface="Calibri" panose="020F0502020204030204" pitchFamily="34" charset="0"/>
+                                </a:rPr>
+                                <m:t> </m:t>
+                              </m:r>
+                              <m:r>
+                                <a:rPr lang="hu-HU" i="1">
+                                  <a:latin typeface="Cambria Math" panose="02040503050406030204" pitchFamily="18" charset="0"/>
+                                  <a:ea typeface="Calibri" panose="020F0502020204030204" pitchFamily="34" charset="0"/>
+                                </a:rPr>
+                                <m:t>𝑚𝑒𝑔𝑘</m:t>
+                              </m:r>
+                              <m:r>
+                                <a:rPr lang="hu-HU">
+                                  <a:latin typeface="Cambria Math" panose="02040503050406030204" pitchFamily="18" charset="0"/>
+                                  <a:ea typeface="Calibri" panose="020F0502020204030204" pitchFamily="34" charset="0"/>
+                                </a:rPr>
+                                <m:t>ö</m:t>
+                              </m:r>
+                              <m:r>
+                                <a:rPr lang="hu-HU" i="1">
+                                  <a:latin typeface="Cambria Math" panose="02040503050406030204" pitchFamily="18" charset="0"/>
+                                  <a:ea typeface="Calibri" panose="020F0502020204030204" pitchFamily="34" charset="0"/>
+                                </a:rPr>
+                                <m:t>𝑡</m:t>
+                              </m:r>
+                              <m:r>
+                                <a:rPr lang="hu-HU">
+                                  <a:latin typeface="Cambria Math" panose="02040503050406030204" pitchFamily="18" charset="0"/>
+                                  <a:ea typeface="Calibri" panose="020F0502020204030204" pitchFamily="34" charset="0"/>
+                                </a:rPr>
+                                <m:t>é</m:t>
+                              </m:r>
+                              <m:r>
+                                <a:rPr lang="hu-HU" i="1">
+                                  <a:latin typeface="Cambria Math" panose="02040503050406030204" pitchFamily="18" charset="0"/>
+                                  <a:ea typeface="Calibri" panose="020F0502020204030204" pitchFamily="34" charset="0"/>
+                                </a:rPr>
+                                <m:t>𝑠</m:t>
+                              </m:r>
+                            </m:e>
+                            <m:e>
+                              <m:r>
+                                <a:rPr lang="hu-HU" i="1">
+                                  <a:latin typeface="Cambria Math" panose="02040503050406030204" pitchFamily="18" charset="0"/>
+                                  <a:ea typeface="Cambria Math" panose="02040503050406030204" pitchFamily="18" charset="0"/>
+                                  <a:cs typeface="Cambria Math" panose="02040503050406030204" pitchFamily="18" charset="0"/>
+                                </a:rPr>
+                                <m:t>𝑇</m:t>
+                              </m:r>
+                              <m:r>
+                                <a:rPr lang="hu-HU">
+                                  <a:latin typeface="Cambria Math" panose="02040503050406030204" pitchFamily="18" charset="0"/>
+                                  <a:ea typeface="Cambria Math" panose="02040503050406030204" pitchFamily="18" charset="0"/>
+                                  <a:cs typeface="Cambria Math" panose="02040503050406030204" pitchFamily="18" charset="0"/>
+                                </a:rPr>
+                                <m:t>á</m:t>
+                              </m:r>
+                              <m:r>
+                                <a:rPr lang="hu-HU" i="1">
+                                  <a:latin typeface="Cambria Math" panose="02040503050406030204" pitchFamily="18" charset="0"/>
+                                  <a:ea typeface="Cambria Math" panose="02040503050406030204" pitchFamily="18" charset="0"/>
+                                  <a:cs typeface="Cambria Math" panose="02040503050406030204" pitchFamily="18" charset="0"/>
+                                </a:rPr>
+                                <m:t>𝑙𝑎𝑙h𝑎𝑡</m:t>
+                              </m:r>
+                              <m:r>
+                                <a:rPr lang="hu-HU">
+                                  <a:latin typeface="Cambria Math" panose="02040503050406030204" pitchFamily="18" charset="0"/>
+                                  <a:ea typeface="Cambria Math" panose="02040503050406030204" pitchFamily="18" charset="0"/>
+                                  <a:cs typeface="Cambria Math" panose="02040503050406030204" pitchFamily="18" charset="0"/>
+                                </a:rPr>
+                                <m:t>ó</m:t>
+                              </m:r>
+                              <m:r>
+                                <a:rPr lang="hu-HU" i="1">
+                                  <a:latin typeface="Cambria Math" panose="02040503050406030204" pitchFamily="18" charset="0"/>
+                                  <a:ea typeface="Cambria Math" panose="02040503050406030204" pitchFamily="18" charset="0"/>
+                                  <a:cs typeface="Cambria Math" panose="02040503050406030204" pitchFamily="18" charset="0"/>
+                                </a:rPr>
+                                <m:t>𝑠</m:t>
+                              </m:r>
+                              <m:r>
+                                <a:rPr lang="hu-HU">
+                                  <a:latin typeface="Cambria Math" panose="02040503050406030204" pitchFamily="18" charset="0"/>
+                                  <a:ea typeface="Cambria Math" panose="02040503050406030204" pitchFamily="18" charset="0"/>
+                                  <a:cs typeface="Cambria Math" panose="02040503050406030204" pitchFamily="18" charset="0"/>
+                                </a:rPr>
+                                <m:t>á</m:t>
+                              </m:r>
+                              <m:r>
+                                <a:rPr lang="hu-HU" i="1">
+                                  <a:latin typeface="Cambria Math" panose="02040503050406030204" pitchFamily="18" charset="0"/>
+                                  <a:ea typeface="Cambria Math" panose="02040503050406030204" pitchFamily="18" charset="0"/>
+                                  <a:cs typeface="Cambria Math" panose="02040503050406030204" pitchFamily="18" charset="0"/>
+                                </a:rPr>
+                                <m:t>𝑔𝑖</m:t>
+                              </m:r>
+                              <m:r>
+                                <a:rPr lang="hu-HU">
+                                  <a:latin typeface="Cambria Math" panose="02040503050406030204" pitchFamily="18" charset="0"/>
+                                  <a:ea typeface="Cambria Math" panose="02040503050406030204" pitchFamily="18" charset="0"/>
+                                  <a:cs typeface="Cambria Math" panose="02040503050406030204" pitchFamily="18" charset="0"/>
+                                </a:rPr>
+                                <m:t> </m:t>
+                              </m:r>
+                              <m:r>
+                                <a:rPr lang="hu-HU" i="1">
+                                  <a:latin typeface="Cambria Math" panose="02040503050406030204" pitchFamily="18" charset="0"/>
+                                  <a:ea typeface="Cambria Math" panose="02040503050406030204" pitchFamily="18" charset="0"/>
+                                  <a:cs typeface="Cambria Math" panose="02040503050406030204" pitchFamily="18" charset="0"/>
+                                </a:rPr>
+                                <m:t>𝑚𝑒𝑔𝑘</m:t>
+                              </m:r>
+                              <m:r>
+                                <a:rPr lang="hu-HU">
+                                  <a:latin typeface="Cambria Math" panose="02040503050406030204" pitchFamily="18" charset="0"/>
+                                  <a:ea typeface="Cambria Math" panose="02040503050406030204" pitchFamily="18" charset="0"/>
+                                  <a:cs typeface="Cambria Math" panose="02040503050406030204" pitchFamily="18" charset="0"/>
+                                </a:rPr>
+                                <m:t>ö</m:t>
+                              </m:r>
+                              <m:r>
+                                <a:rPr lang="hu-HU" i="1">
+                                  <a:latin typeface="Cambria Math" panose="02040503050406030204" pitchFamily="18" charset="0"/>
+                                  <a:ea typeface="Cambria Math" panose="02040503050406030204" pitchFamily="18" charset="0"/>
+                                  <a:cs typeface="Cambria Math" panose="02040503050406030204" pitchFamily="18" charset="0"/>
+                                </a:rPr>
+                                <m:t>𝑡</m:t>
+                              </m:r>
+                              <m:r>
+                                <a:rPr lang="hu-HU">
+                                  <a:latin typeface="Cambria Math" panose="02040503050406030204" pitchFamily="18" charset="0"/>
+                                  <a:ea typeface="Cambria Math" panose="02040503050406030204" pitchFamily="18" charset="0"/>
+                                  <a:cs typeface="Cambria Math" panose="02040503050406030204" pitchFamily="18" charset="0"/>
+                                </a:rPr>
+                                <m:t>é</m:t>
+                              </m:r>
+                              <m:r>
+                                <a:rPr lang="hu-HU" i="1">
+                                  <a:latin typeface="Cambria Math" panose="02040503050406030204" pitchFamily="18" charset="0"/>
+                                  <a:ea typeface="Cambria Math" panose="02040503050406030204" pitchFamily="18" charset="0"/>
+                                  <a:cs typeface="Cambria Math" panose="02040503050406030204" pitchFamily="18" charset="0"/>
+                                </a:rPr>
+                                <m:t>𝑠</m:t>
+                              </m:r>
+                            </m:e>
+                            <m:e>
+                              <m:r>
+                                <a:rPr lang="hu-HU" i="1">
+                                  <a:latin typeface="Cambria Math" panose="02040503050406030204" pitchFamily="18" charset="0"/>
+                                  <a:ea typeface="Cambria Math" panose="02040503050406030204" pitchFamily="18" charset="0"/>
+                                  <a:cs typeface="Cambria Math" panose="02040503050406030204" pitchFamily="18" charset="0"/>
+                                </a:rPr>
+                                <m:t>𝐹𝑜𝑔</m:t>
+                              </m:r>
+                              <m:r>
+                                <a:rPr lang="hu-HU">
+                                  <a:latin typeface="Cambria Math" panose="02040503050406030204" pitchFamily="18" charset="0"/>
+                                  <a:ea typeface="Cambria Math" panose="02040503050406030204" pitchFamily="18" charset="0"/>
+                                  <a:cs typeface="Cambria Math" panose="02040503050406030204" pitchFamily="18" charset="0"/>
+                                </a:rPr>
+                                <m:t>á</m:t>
+                              </m:r>
+                              <m:r>
+                                <a:rPr lang="hu-HU" i="1">
+                                  <a:latin typeface="Cambria Math" panose="02040503050406030204" pitchFamily="18" charset="0"/>
+                                  <a:ea typeface="Cambria Math" panose="02040503050406030204" pitchFamily="18" charset="0"/>
+                                  <a:cs typeface="Cambria Math" panose="02040503050406030204" pitchFamily="18" charset="0"/>
+                                </a:rPr>
+                                <m:t>𝑠𝑜𝑘</m:t>
+                              </m:r>
+                              <m:r>
+                                <a:rPr lang="hu-HU">
+                                  <a:latin typeface="Cambria Math" panose="02040503050406030204" pitchFamily="18" charset="0"/>
+                                  <a:ea typeface="Cambria Math" panose="02040503050406030204" pitchFamily="18" charset="0"/>
+                                  <a:cs typeface="Cambria Math" panose="02040503050406030204" pitchFamily="18" charset="0"/>
+                                </a:rPr>
+                                <m:t> </m:t>
+                              </m:r>
+                              <m:r>
+                                <a:rPr lang="hu-HU" i="1">
+                                  <a:latin typeface="Cambria Math" panose="02040503050406030204" pitchFamily="18" charset="0"/>
+                                  <a:ea typeface="Cambria Math" panose="02040503050406030204" pitchFamily="18" charset="0"/>
+                                  <a:cs typeface="Cambria Math" panose="02040503050406030204" pitchFamily="18" charset="0"/>
+                                </a:rPr>
+                                <m:t>𝑠𝑧</m:t>
+                              </m:r>
+                              <m:r>
+                                <a:rPr lang="hu-HU">
+                                  <a:latin typeface="Cambria Math" panose="02040503050406030204" pitchFamily="18" charset="0"/>
+                                  <a:ea typeface="Cambria Math" panose="02040503050406030204" pitchFamily="18" charset="0"/>
+                                  <a:cs typeface="Cambria Math" panose="02040503050406030204" pitchFamily="18" charset="0"/>
+                                </a:rPr>
+                                <m:t>á</m:t>
+                              </m:r>
+                              <m:r>
+                                <a:rPr lang="hu-HU" i="1">
+                                  <a:latin typeface="Cambria Math" panose="02040503050406030204" pitchFamily="18" charset="0"/>
+                                  <a:ea typeface="Cambria Math" panose="02040503050406030204" pitchFamily="18" charset="0"/>
+                                  <a:cs typeface="Cambria Math" panose="02040503050406030204" pitchFamily="18" charset="0"/>
+                                </a:rPr>
+                                <m:t>𝑚𝑎</m:t>
+                              </m:r>
+                              <m:r>
+                                <a:rPr lang="hu-HU">
+                                  <a:latin typeface="Cambria Math" panose="02040503050406030204" pitchFamily="18" charset="0"/>
+                                  <a:ea typeface="Cambria Math" panose="02040503050406030204" pitchFamily="18" charset="0"/>
+                                  <a:cs typeface="Cambria Math" panose="02040503050406030204" pitchFamily="18" charset="0"/>
+                                </a:rPr>
+                                <m:t> </m:t>
+                              </m:r>
+                              <m:r>
+                                <a:rPr lang="hu-HU" i="1">
+                                  <a:latin typeface="Cambria Math" panose="02040503050406030204" pitchFamily="18" charset="0"/>
+                                  <a:ea typeface="Cambria Math" panose="02040503050406030204" pitchFamily="18" charset="0"/>
+                                  <a:cs typeface="Cambria Math" panose="02040503050406030204" pitchFamily="18" charset="0"/>
+                                </a:rPr>
+                                <m:t>𝑘𝑎𝑡𝑒𝑔</m:t>
+                              </m:r>
+                              <m:r>
+                                <a:rPr lang="hu-HU">
+                                  <a:latin typeface="Cambria Math" panose="02040503050406030204" pitchFamily="18" charset="0"/>
+                                  <a:ea typeface="Cambria Math" panose="02040503050406030204" pitchFamily="18" charset="0"/>
+                                  <a:cs typeface="Cambria Math" panose="02040503050406030204" pitchFamily="18" charset="0"/>
+                                </a:rPr>
+                                <m:t>ó</m:t>
+                              </m:r>
+                              <m:r>
+                                <a:rPr lang="hu-HU" i="1">
+                                  <a:latin typeface="Cambria Math" panose="02040503050406030204" pitchFamily="18" charset="0"/>
+                                  <a:ea typeface="Cambria Math" panose="02040503050406030204" pitchFamily="18" charset="0"/>
+                                  <a:cs typeface="Cambria Math" panose="02040503050406030204" pitchFamily="18" charset="0"/>
+                                </a:rPr>
+                                <m:t>𝑟𝑖</m:t>
+                              </m:r>
+                              <m:r>
+                                <a:rPr lang="hu-HU">
+                                  <a:latin typeface="Cambria Math" panose="02040503050406030204" pitchFamily="18" charset="0"/>
+                                  <a:ea typeface="Cambria Math" panose="02040503050406030204" pitchFamily="18" charset="0"/>
+                                  <a:cs typeface="Cambria Math" panose="02040503050406030204" pitchFamily="18" charset="0"/>
+                                </a:rPr>
+                                <m:t>á</m:t>
+                              </m:r>
+                              <m:r>
+                                <a:rPr lang="hu-HU" i="1">
+                                  <a:latin typeface="Cambria Math" panose="02040503050406030204" pitchFamily="18" charset="0"/>
+                                  <a:ea typeface="Cambria Math" panose="02040503050406030204" pitchFamily="18" charset="0"/>
+                                  <a:cs typeface="Cambria Math" panose="02040503050406030204" pitchFamily="18" charset="0"/>
+                                </a:rPr>
+                                <m:t>𝑛𝑘</m:t>
+                              </m:r>
+                              <m:r>
+                                <a:rPr lang="hu-HU">
+                                  <a:latin typeface="Cambria Math" panose="02040503050406030204" pitchFamily="18" charset="0"/>
+                                  <a:ea typeface="Cambria Math" panose="02040503050406030204" pitchFamily="18" charset="0"/>
+                                  <a:cs typeface="Cambria Math" panose="02040503050406030204" pitchFamily="18" charset="0"/>
+                                </a:rPr>
+                                <m:t>é</m:t>
+                              </m:r>
+                              <m:r>
+                                <a:rPr lang="hu-HU" i="1">
+                                  <a:latin typeface="Cambria Math" panose="02040503050406030204" pitchFamily="18" charset="0"/>
+                                  <a:ea typeface="Cambria Math" panose="02040503050406030204" pitchFamily="18" charset="0"/>
+                                  <a:cs typeface="Cambria Math" panose="02040503050406030204" pitchFamily="18" charset="0"/>
+                                </a:rPr>
+                                <m:t>𝑛𝑡</m:t>
+                              </m:r>
+                            </m:e>
+                          </m:eqArr>
+                        </m:e>
+                      </m:d>
+                    </m:oMath>
+                  </m:oMathPara>
+                </a14:m>
+                <a:endParaRPr lang="hu-HU" dirty="0">
+                  <a:latin typeface="Times New Roman" panose="02020603050405020304" pitchFamily="18" charset="0"/>
+                  <a:ea typeface="Calibri" panose="020F0502020204030204" pitchFamily="34" charset="0"/>
+                </a:endParaRPr>
+              </a:p>
+            </p:txBody>
+          </p:sp>
+        </mc:Choice>
+        <mc:Fallback xmlns="">
+          <p:sp>
+            <p:nvSpPr>
+              <p:cNvPr id="4" name="Téglalap 3">
+                <a:extLst>
+                  <a:ext uri="{FF2B5EF4-FFF2-40B4-BE49-F238E27FC236}">
+                    <a16:creationId xmlns:a16="http://schemas.microsoft.com/office/drawing/2014/main" id="{06C02534-E721-4D58-ABD2-B3F0B91A2F71}"/>
+                  </a:ext>
+                </a:extLst>
+              </p:cNvPr>
+              <p:cNvSpPr>
+                <a:spLocks noRot="1" noChangeAspect="1" noMove="1" noResize="1" noEditPoints="1" noAdjustHandles="1" noChangeArrowheads="1" noChangeShapeType="1" noTextEdit="1"/>
+              </p:cNvSpPr>
+              <p:nvPr/>
+            </p:nvSpPr>
+            <p:spPr>
+              <a:xfrm>
+                <a:off x="4812750" y="2015067"/>
+                <a:ext cx="6096000" cy="3144835"/>
+              </a:xfrm>
+              <a:prstGeom prst="rect">
+                <a:avLst/>
+              </a:prstGeom>
+              <a:blipFill>
+                <a:blip r:embed="rId2"/>
+                <a:stretch>
+                  <a:fillRect r="-3600"/>
+                </a:stretch>
+              </a:blipFill>
+            </p:spPr>
+            <p:txBody>
+              <a:bodyPr/>
+              <a:lstStyle/>
+              <a:p>
+                <a:r>
+                  <a:rPr lang="hu-HU">
+                    <a:noFill/>
+                  </a:rPr>
+                  <a:t> </a:t>
+                </a:r>
+              </a:p>
+            </p:txBody>
+          </p:sp>
+        </mc:Fallback>
+      </mc:AlternateContent>
     </p:spTree>
     <p:extLst>
       <p:ext uri="{BB962C8B-B14F-4D97-AF65-F5344CB8AC3E}">
@@ -13634,6 +14847,206 @@
 </file>
 
 <file path=ppt/slides/slide5.xml><?xml version="1.0" encoding="utf-8"?>
+<p:sld xmlns:a="http://schemas.openxmlformats.org/drawingml/2006/main" xmlns:r="http://schemas.openxmlformats.org/officeDocument/2006/relationships" xmlns:p="http://schemas.openxmlformats.org/presentationml/2006/main">
+  <p:cSld>
+    <p:spTree>
+      <p:nvGrpSpPr>
+        <p:cNvPr id="1" name=""/>
+        <p:cNvGrpSpPr/>
+        <p:nvPr/>
+      </p:nvGrpSpPr>
+      <p:grpSpPr>
+        <a:xfrm>
+          <a:off x="0" y="0"/>
+          <a:ext cx="0" cy="0"/>
+          <a:chOff x="0" y="0"/>
+          <a:chExt cx="0" cy="0"/>
+        </a:xfrm>
+      </p:grpSpPr>
+      <p:sp>
+        <p:nvSpPr>
+          <p:cNvPr id="6" name="Dia számának helye 5">
+            <a:extLst>
+              <a:ext uri="{FF2B5EF4-FFF2-40B4-BE49-F238E27FC236}">
+                <a16:creationId xmlns:a16="http://schemas.microsoft.com/office/drawing/2014/main" id="{2EAFAFA5-6398-47AA-9C8E-4853ABE2F14B}"/>
+              </a:ext>
+            </a:extLst>
+          </p:cNvPr>
+          <p:cNvSpPr>
+            <a:spLocks noGrp="1"/>
+          </p:cNvSpPr>
+          <p:nvPr>
+            <p:ph type="sldNum" sz="quarter" idx="12"/>
+          </p:nvPr>
+        </p:nvSpPr>
+        <p:spPr>
+          <a:xfrm>
+            <a:off x="8590663" y="6041362"/>
+            <a:ext cx="683339" cy="365125"/>
+          </a:xfrm>
+        </p:spPr>
+        <p:txBody>
+          <a:bodyPr>
+            <a:normAutofit/>
+          </a:bodyPr>
+          <a:lstStyle/>
+          <a:p>
+            <a:pPr>
+              <a:spcAft>
+                <a:spcPts val="600"/>
+              </a:spcAft>
+            </a:pPr>
+            <a:fld id="{D57F1E4F-1CFF-5643-939E-217C01CDF565}" type="slidenum">
+              <a:rPr lang="en-US" smtClean="0"/>
+              <a:pPr>
+                <a:spcAft>
+                  <a:spcPts val="600"/>
+                </a:spcAft>
+              </a:pPr>
+              <a:t>5</a:t>
+            </a:fld>
+            <a:r>
+              <a:rPr lang="hu-HU" dirty="0"/>
+              <a:t>/10</a:t>
+            </a:r>
+            <a:endParaRPr lang="en-US" dirty="0"/>
+          </a:p>
+        </p:txBody>
+      </p:sp>
+      <p:pic>
+        <p:nvPicPr>
+          <p:cNvPr id="22" name="Kép 21">
+            <a:extLst>
+              <a:ext uri="{FF2B5EF4-FFF2-40B4-BE49-F238E27FC236}">
+                <a16:creationId xmlns:a16="http://schemas.microsoft.com/office/drawing/2014/main" id="{2D41B89E-54A0-4F54-9F55-673CFF5CAA79}"/>
+              </a:ext>
+            </a:extLst>
+          </p:cNvPr>
+          <p:cNvPicPr/>
+          <p:nvPr/>
+        </p:nvPicPr>
+        <p:blipFill>
+          <a:blip r:embed="rId2">
+            <a:extLst>
+              <a:ext uri="{28A0092B-C50C-407E-A947-70E740481C1C}">
+                <a14:useLocalDpi xmlns:a14="http://schemas.microsoft.com/office/drawing/2010/main" val="0"/>
+              </a:ext>
+            </a:extLst>
+          </a:blip>
+          <a:srcRect/>
+          <a:stretch>
+            <a:fillRect/>
+          </a:stretch>
+        </p:blipFill>
+        <p:spPr bwMode="auto">
+          <a:xfrm>
+            <a:off x="945092" y="257175"/>
+            <a:ext cx="5391150" cy="2381250"/>
+          </a:xfrm>
+          <a:prstGeom prst="rect">
+            <a:avLst/>
+          </a:prstGeom>
+          <a:noFill/>
+          <a:ln>
+            <a:noFill/>
+          </a:ln>
+        </p:spPr>
+      </p:pic>
+      <p:pic>
+        <p:nvPicPr>
+          <p:cNvPr id="23" name="Kép 22">
+            <a:extLst>
+              <a:ext uri="{FF2B5EF4-FFF2-40B4-BE49-F238E27FC236}">
+                <a16:creationId xmlns:a16="http://schemas.microsoft.com/office/drawing/2014/main" id="{3261588B-8330-4EE9-9BD2-9CD6E927384E}"/>
+              </a:ext>
+            </a:extLst>
+          </p:cNvPr>
+          <p:cNvPicPr/>
+          <p:nvPr/>
+        </p:nvPicPr>
+        <p:blipFill>
+          <a:blip r:embed="rId3">
+            <a:extLst>
+              <a:ext uri="{28A0092B-C50C-407E-A947-70E740481C1C}">
+                <a14:useLocalDpi xmlns:a14="http://schemas.microsoft.com/office/drawing/2010/main" val="0"/>
+              </a:ext>
+            </a:extLst>
+          </a:blip>
+          <a:srcRect/>
+          <a:stretch>
+            <a:fillRect/>
+          </a:stretch>
+        </p:blipFill>
+        <p:spPr bwMode="auto">
+          <a:xfrm>
+            <a:off x="945092" y="2638425"/>
+            <a:ext cx="5391150" cy="2381250"/>
+          </a:xfrm>
+          <a:prstGeom prst="rect">
+            <a:avLst/>
+          </a:prstGeom>
+          <a:noFill/>
+          <a:ln>
+            <a:noFill/>
+          </a:ln>
+        </p:spPr>
+      </p:pic>
+      <p:pic>
+        <p:nvPicPr>
+          <p:cNvPr id="24" name="Kép 23">
+            <a:extLst>
+              <a:ext uri="{FF2B5EF4-FFF2-40B4-BE49-F238E27FC236}">
+                <a16:creationId xmlns:a16="http://schemas.microsoft.com/office/drawing/2014/main" id="{CBB266F5-39D7-4E3D-A52B-0F5264C60AEB}"/>
+              </a:ext>
+            </a:extLst>
+          </p:cNvPr>
+          <p:cNvPicPr/>
+          <p:nvPr/>
+        </p:nvPicPr>
+        <p:blipFill rotWithShape="1">
+          <a:blip r:embed="rId4">
+            <a:extLst>
+              <a:ext uri="{28A0092B-C50C-407E-A947-70E740481C1C}">
+                <a14:useLocalDpi xmlns:a14="http://schemas.microsoft.com/office/drawing/2010/main" val="0"/>
+              </a:ext>
+            </a:extLst>
+          </a:blip>
+          <a:srcRect t="22792" b="57605"/>
+          <a:stretch/>
+        </p:blipFill>
+        <p:spPr bwMode="auto">
+          <a:xfrm>
+            <a:off x="939377" y="5469053"/>
+            <a:ext cx="5396865" cy="594995"/>
+          </a:xfrm>
+          <a:prstGeom prst="rect">
+            <a:avLst/>
+          </a:prstGeom>
+          <a:noFill/>
+          <a:ln>
+            <a:noFill/>
+          </a:ln>
+          <a:extLst>
+            <a:ext uri="{53640926-AAD7-44D8-BBD7-CCE9431645EC}">
+              <a14:shadowObscured xmlns:a14="http://schemas.microsoft.com/office/drawing/2010/main"/>
+            </a:ext>
+          </a:extLst>
+        </p:spPr>
+      </p:pic>
+    </p:spTree>
+    <p:extLst>
+      <p:ext uri="{BB962C8B-B14F-4D97-AF65-F5344CB8AC3E}">
+        <p14:creationId xmlns:p14="http://schemas.microsoft.com/office/powerpoint/2010/main" val="1192701756"/>
+      </p:ext>
+    </p:extLst>
+  </p:cSld>
+  <p:clrMapOvr>
+    <a:masterClrMapping/>
+  </p:clrMapOvr>
+</p:sld>
+</file>
+
+<file path=ppt/slides/slide6.xml><?xml version="1.0" encoding="utf-8"?>
 <p:sld xmlns:a="http://schemas.openxmlformats.org/drawingml/2006/main" xmlns:r="http://schemas.openxmlformats.org/officeDocument/2006/relationships" xmlns:p="http://schemas.openxmlformats.org/presentationml/2006/main">
   <p:cSld>
     <p:bg>
@@ -13871,7 +15284,7 @@
           <a:lstStyle/>
           <a:p>
             <a:r>
-              <a:rPr lang="hu-HU">
+              <a:rPr lang="hu-HU" dirty="0">
                 <a:solidFill>
                   <a:schemeClr val="bg1"/>
                 </a:solidFill>
@@ -13910,7 +15323,7 @@
           <a:lstStyle/>
           <a:p>
             <a:r>
-              <a:rPr lang="hu-HU">
+              <a:rPr lang="hu-HU" dirty="0">
                 <a:solidFill>
                   <a:schemeClr val="bg1"/>
                 </a:solidFill>
@@ -13920,7 +15333,7 @@
           </a:p>
           <a:p>
             <a:r>
-              <a:rPr lang="hu-HU">
+              <a:rPr lang="hu-HU" dirty="0">
                 <a:solidFill>
                   <a:schemeClr val="bg1"/>
                 </a:solidFill>
@@ -13931,7 +15344,7 @@
           <a:p>
             <a:pPr lvl="1"/>
             <a:r>
-              <a:rPr lang="hu-HU">
+              <a:rPr lang="hu-HU" dirty="0">
                 <a:solidFill>
                   <a:schemeClr val="bg1"/>
                 </a:solidFill>
@@ -13942,7 +15355,7 @@
           <a:p>
             <a:pPr lvl="1"/>
             <a:r>
-              <a:rPr lang="hu-HU">
+              <a:rPr lang="hu-HU" dirty="0">
                 <a:solidFill>
                   <a:schemeClr val="bg1"/>
                 </a:solidFill>
@@ -13952,7 +15365,7 @@
           </a:p>
           <a:p>
             <a:pPr lvl="2"/>
-            <a:endParaRPr lang="hu-HU">
+            <a:endParaRPr lang="hu-HU" dirty="0">
               <a:solidFill>
                 <a:schemeClr val="bg1"/>
               </a:solidFill>
@@ -14040,7 +15453,7 @@
           <p:nvPr>
             <p:extLst>
               <p:ext uri="{D42A27DB-BD31-4B8C-83A1-F6EECF244321}">
-                <p14:modId xmlns:p14="http://schemas.microsoft.com/office/powerpoint/2010/main" val="2075055138"/>
+                <p14:modId xmlns:p14="http://schemas.microsoft.com/office/powerpoint/2010/main" val="1544586737"/>
               </p:ext>
             </p:extLst>
           </p:nvPr>
@@ -14090,7 +15503,7 @@
                         </a:spcAft>
                       </a:pPr>
                       <a:r>
-                        <a:rPr lang="hu-HU" sz="1400" b="0" cap="all" spc="150">
+                        <a:rPr lang="hu-HU" sz="1400" b="0" cap="all" spc="150" dirty="0">
                           <a:solidFill>
                             <a:schemeClr val="lt1"/>
                           </a:solidFill>
@@ -14098,7 +15511,7 @@
                         </a:rPr>
                         <a:t>Genetikus Algoritmus:</a:t>
                       </a:r>
-                      <a:endParaRPr lang="hu-HU" sz="1400" b="0" cap="all" spc="150">
+                      <a:endParaRPr lang="hu-HU" sz="1400" b="0" cap="all" spc="150" dirty="0">
                         <a:solidFill>
                           <a:schemeClr val="lt1"/>
                         </a:solidFill>
@@ -14413,7 +15826,7 @@
                         </a:spcAft>
                       </a:pPr>
                       <a:r>
-                        <a:rPr lang="hu-HU" sz="1000" cap="none" spc="0">
+                        <a:rPr lang="hu-HU" sz="1000" cap="none" spc="0" dirty="0">
                           <a:solidFill>
                             <a:schemeClr val="tx1"/>
                           </a:solidFill>
@@ -14421,7 +15834,7 @@
                         </a:rPr>
                         <a:t>verseny (k = 2)</a:t>
                       </a:r>
-                      <a:endParaRPr lang="hu-HU" sz="1000" cap="none" spc="0">
+                      <a:endParaRPr lang="hu-HU" sz="1000" cap="none" spc="0" dirty="0">
                         <a:solidFill>
                           <a:schemeClr val="tx1"/>
                         </a:solidFill>
@@ -14677,7 +16090,7 @@
                         </a:spcAft>
                       </a:pPr>
                       <a:r>
-                        <a:rPr lang="hu-HU" sz="1000" cap="none" spc="0">
+                        <a:rPr lang="hu-HU" sz="1000" cap="none" spc="0" dirty="0">
                           <a:solidFill>
                             <a:schemeClr val="tx1"/>
                           </a:solidFill>
@@ -14686,7 +16099,7 @@
                         <a:t>egyforma keresztezés (p</a:t>
                       </a:r>
                       <a:r>
-                        <a:rPr lang="hu-HU" sz="1000" cap="none" spc="0" baseline="-25000">
+                        <a:rPr lang="hu-HU" sz="1000" cap="none" spc="0" baseline="-25000" dirty="0">
                           <a:solidFill>
                             <a:schemeClr val="tx1"/>
                           </a:solidFill>
@@ -14695,7 +16108,7 @@
                         <a:t>c</a:t>
                       </a:r>
                       <a:r>
-                        <a:rPr lang="hu-HU" sz="1000" cap="none" spc="0">
+                        <a:rPr lang="hu-HU" sz="1000" cap="none" spc="0" dirty="0">
                           <a:solidFill>
                             <a:schemeClr val="tx1"/>
                           </a:solidFill>
@@ -14703,7 +16116,7 @@
                         </a:rPr>
                         <a:t> = ?)</a:t>
                       </a:r>
-                      <a:endParaRPr lang="hu-HU" sz="1000" cap="none" spc="0">
+                      <a:endParaRPr lang="hu-HU" sz="1000" cap="none" spc="0" dirty="0">
                         <a:solidFill>
                           <a:schemeClr val="tx1"/>
                         </a:solidFill>
@@ -14762,7 +16175,7 @@
                         </a:spcAft>
                       </a:pPr>
                       <a:r>
-                        <a:rPr lang="hu-HU" sz="1000" b="1" cap="none" spc="0">
+                        <a:rPr lang="hu-HU" sz="1000" b="1" cap="none" spc="0" dirty="0">
                           <a:solidFill>
                             <a:schemeClr val="tx1"/>
                           </a:solidFill>
@@ -14770,7 +16183,7 @@
                         </a:rPr>
                         <a:t>Populáció mérete:</a:t>
                       </a:r>
-                      <a:endParaRPr lang="hu-HU" sz="1000" b="1" cap="none" spc="0">
+                      <a:endParaRPr lang="hu-HU" sz="1000" b="1" cap="none" spc="0" dirty="0">
                         <a:solidFill>
                           <a:schemeClr val="tx1"/>
                         </a:solidFill>
@@ -14818,7 +16231,7 @@
                         </a:spcAft>
                       </a:pPr>
                       <a:r>
-                        <a:rPr lang="hu-HU" sz="1000" cap="none" spc="0">
+                        <a:rPr lang="hu-HU" sz="1000" cap="none" spc="0" dirty="0">
                           <a:solidFill>
                             <a:schemeClr val="tx1"/>
                           </a:solidFill>
@@ -14826,7 +16239,7 @@
                         </a:rPr>
                         <a:t>100-500</a:t>
                       </a:r>
-                      <a:endParaRPr lang="hu-HU" sz="1000" cap="none" spc="0">
+                      <a:endParaRPr lang="hu-HU" sz="1000" cap="none" spc="0" dirty="0">
                         <a:solidFill>
                           <a:schemeClr val="tx1"/>
                         </a:solidFill>
@@ -15235,16 +16648,1535 @@
             <a:fld id="{D57F1E4F-1CFF-5643-939E-217C01CDF565}" type="slidenum">
               <a:rPr lang="en-US" smtClean="0"/>
               <a:pPr/>
-              <a:t>5</a:t>
+              <a:t>6</a:t>
             </a:fld>
             <a:r>
               <a:rPr lang="hu-HU" dirty="0"/>
-              <a:t>/9</a:t>
+              <a:t>/10</a:t>
             </a:r>
             <a:endParaRPr lang="en-US" dirty="0"/>
           </a:p>
         </p:txBody>
       </p:sp>
+      <mc:AlternateContent xmlns:mc="http://schemas.openxmlformats.org/markup-compatibility/2006" xmlns:a14="http://schemas.microsoft.com/office/drawing/2010/main">
+        <mc:Choice Requires="a14">
+          <p:sp>
+            <p:nvSpPr>
+              <p:cNvPr id="5" name="Téglalap 4">
+                <a:extLst>
+                  <a:ext uri="{FF2B5EF4-FFF2-40B4-BE49-F238E27FC236}">
+                    <a16:creationId xmlns:a16="http://schemas.microsoft.com/office/drawing/2014/main" id="{3981F2D0-A3DB-4B0C-8421-6BBE7482A80C}"/>
+                  </a:ext>
+                </a:extLst>
+              </p:cNvPr>
+              <p:cNvSpPr/>
+              <p:nvPr/>
+            </p:nvSpPr>
+            <p:spPr>
+              <a:xfrm>
+                <a:off x="-1748672" y="4449115"/>
+                <a:ext cx="8405769" cy="2160976"/>
+              </a:xfrm>
+              <a:prstGeom prst="rect">
+                <a:avLst/>
+              </a:prstGeom>
+            </p:spPr>
+            <p:txBody>
+              <a:bodyPr wrap="square">
+                <a:spAutoFit/>
+              </a:bodyPr>
+              <a:lstStyle/>
+              <a:p>
+                <a:pPr algn="just">
+                  <a:lnSpc>
+                    <a:spcPct val="115000"/>
+                  </a:lnSpc>
+                  <a:spcBef>
+                    <a:spcPts val="600"/>
+                  </a:spcBef>
+                  <a:spcAft>
+                    <a:spcPts val="1200"/>
+                  </a:spcAft>
+                </a:pPr>
+                <a14:m>
+                  <m:oMathPara xmlns:m="http://schemas.openxmlformats.org/officeDocument/2006/math">
+                    <m:oMathParaPr>
+                      <m:jc m:val="centerGroup"/>
+                    </m:oMathParaPr>
+                    <m:oMath xmlns:m="http://schemas.openxmlformats.org/officeDocument/2006/math">
+                      <m:r>
+                        <a:rPr lang="hu-HU" sz="1200" smtClean="0">
+                          <a:solidFill>
+                            <a:schemeClr val="bg1"/>
+                          </a:solidFill>
+                          <a:latin typeface="Cambria Math" panose="02040503050406030204" pitchFamily="18" charset="0"/>
+                          <a:ea typeface="Calibri" panose="020F0502020204030204" pitchFamily="34" charset="0"/>
+                        </a:rPr>
+                        <m:t>1. </m:t>
+                      </m:r>
+                      <m:r>
+                        <a:rPr lang="hu-HU" sz="1200" i="1">
+                          <a:solidFill>
+                            <a:schemeClr val="bg1"/>
+                          </a:solidFill>
+                          <a:latin typeface="Cambria Math" panose="02040503050406030204" pitchFamily="18" charset="0"/>
+                          <a:ea typeface="Calibri" panose="020F0502020204030204" pitchFamily="34" charset="0"/>
+                        </a:rPr>
+                        <m:t>𝑐</m:t>
+                      </m:r>
+                      <m:r>
+                        <a:rPr lang="hu-HU" sz="1200">
+                          <a:solidFill>
+                            <a:schemeClr val="bg1"/>
+                          </a:solidFill>
+                          <a:latin typeface="Cambria Math" panose="02040503050406030204" pitchFamily="18" charset="0"/>
+                          <a:ea typeface="Calibri" panose="020F0502020204030204" pitchFamily="34" charset="0"/>
+                        </a:rPr>
+                        <m:t>é</m:t>
+                      </m:r>
+                      <m:r>
+                        <a:rPr lang="hu-HU" sz="1200" i="1">
+                          <a:solidFill>
+                            <a:schemeClr val="bg1"/>
+                          </a:solidFill>
+                          <a:latin typeface="Cambria Math" panose="02040503050406030204" pitchFamily="18" charset="0"/>
+                          <a:ea typeface="Calibri" panose="020F0502020204030204" pitchFamily="34" charset="0"/>
+                        </a:rPr>
+                        <m:t>𝑙𝑓</m:t>
+                      </m:r>
+                      <m:r>
+                        <a:rPr lang="hu-HU" sz="1200">
+                          <a:solidFill>
+                            <a:schemeClr val="bg1"/>
+                          </a:solidFill>
+                          <a:latin typeface="Cambria Math" panose="02040503050406030204" pitchFamily="18" charset="0"/>
+                          <a:ea typeface="Calibri" panose="020F0502020204030204" pitchFamily="34" charset="0"/>
+                        </a:rPr>
+                        <m:t>. : </m:t>
+                      </m:r>
+                      <m:sSub>
+                        <m:sSubPr>
+                          <m:ctrlPr>
+                            <a:rPr lang="hu-HU" sz="1200" i="1">
+                              <a:solidFill>
+                                <a:schemeClr val="bg1"/>
+                              </a:solidFill>
+                              <a:latin typeface="Cambria Math" panose="02040503050406030204" pitchFamily="18" charset="0"/>
+                              <a:ea typeface="Calibri" panose="020F0502020204030204" pitchFamily="34" charset="0"/>
+                            </a:rPr>
+                          </m:ctrlPr>
+                        </m:sSubPr>
+                        <m:e>
+                          <m:r>
+                            <a:rPr lang="hu-HU" sz="1200" i="1">
+                              <a:solidFill>
+                                <a:schemeClr val="bg1"/>
+                              </a:solidFill>
+                              <a:latin typeface="Cambria Math" panose="02040503050406030204" pitchFamily="18" charset="0"/>
+                              <a:ea typeface="Calibri" panose="020F0502020204030204" pitchFamily="34" charset="0"/>
+                            </a:rPr>
+                            <m:t>𝑓</m:t>
+                          </m:r>
+                        </m:e>
+                        <m:sub>
+                          <m:r>
+                            <a:rPr lang="hu-HU" sz="1200">
+                              <a:solidFill>
+                                <a:schemeClr val="bg1"/>
+                              </a:solidFill>
+                              <a:latin typeface="Cambria Math" panose="02040503050406030204" pitchFamily="18" charset="0"/>
+                              <a:ea typeface="Calibri" panose="020F0502020204030204" pitchFamily="34" charset="0"/>
+                            </a:rPr>
+                            <m:t>1</m:t>
+                          </m:r>
+                        </m:sub>
+                      </m:sSub>
+                      <m:r>
+                        <a:rPr lang="hu-HU" sz="1200">
+                          <a:solidFill>
+                            <a:schemeClr val="bg1"/>
+                          </a:solidFill>
+                          <a:latin typeface="Cambria Math" panose="02040503050406030204" pitchFamily="18" charset="0"/>
+                          <a:ea typeface="Calibri" panose="020F0502020204030204" pitchFamily="34" charset="0"/>
+                        </a:rPr>
+                        <m:t> = </m:t>
+                      </m:r>
+                      <m:nary>
+                        <m:naryPr>
+                          <m:chr m:val="∑"/>
+                          <m:limLoc m:val="undOvr"/>
+                          <m:ctrlPr>
+                            <a:rPr lang="hu-HU" sz="1200" i="1">
+                              <a:solidFill>
+                                <a:schemeClr val="bg1"/>
+                              </a:solidFill>
+                              <a:latin typeface="Cambria Math" panose="02040503050406030204" pitchFamily="18" charset="0"/>
+                              <a:ea typeface="Calibri" panose="020F0502020204030204" pitchFamily="34" charset="0"/>
+                            </a:rPr>
+                          </m:ctrlPr>
+                        </m:naryPr>
+                        <m:sub>
+                          <m:r>
+                            <a:rPr lang="hu-HU" sz="1200" i="1">
+                              <a:solidFill>
+                                <a:schemeClr val="bg1"/>
+                              </a:solidFill>
+                              <a:latin typeface="Cambria Math" panose="02040503050406030204" pitchFamily="18" charset="0"/>
+                              <a:ea typeface="Calibri" panose="020F0502020204030204" pitchFamily="34" charset="0"/>
+                            </a:rPr>
+                            <m:t>𝑗</m:t>
+                          </m:r>
+                          <m:r>
+                            <a:rPr lang="hu-HU" sz="1200">
+                              <a:solidFill>
+                                <a:schemeClr val="bg1"/>
+                              </a:solidFill>
+                              <a:latin typeface="Cambria Math" panose="02040503050406030204" pitchFamily="18" charset="0"/>
+                              <a:ea typeface="Calibri" panose="020F0502020204030204" pitchFamily="34" charset="0"/>
+                            </a:rPr>
+                            <m:t>=1</m:t>
+                          </m:r>
+                        </m:sub>
+                        <m:sup>
+                          <m:r>
+                            <a:rPr lang="hu-HU" sz="1200" i="1">
+                              <a:solidFill>
+                                <a:schemeClr val="bg1"/>
+                              </a:solidFill>
+                              <a:latin typeface="Cambria Math" panose="02040503050406030204" pitchFamily="18" charset="0"/>
+                              <a:ea typeface="Calibri" panose="020F0502020204030204" pitchFamily="34" charset="0"/>
+                            </a:rPr>
+                            <m:t>𝑛</m:t>
+                          </m:r>
+                        </m:sup>
+                        <m:e>
+                          <m:sSub>
+                            <m:sSubPr>
+                              <m:ctrlPr>
+                                <a:rPr lang="hu-HU" sz="1200" i="1">
+                                  <a:solidFill>
+                                    <a:schemeClr val="bg1"/>
+                                  </a:solidFill>
+                                  <a:latin typeface="Cambria Math" panose="02040503050406030204" pitchFamily="18" charset="0"/>
+                                  <a:ea typeface="Calibri" panose="020F0502020204030204" pitchFamily="34" charset="0"/>
+                                </a:rPr>
+                              </m:ctrlPr>
+                            </m:sSubPr>
+                            <m:e>
+                              <m:r>
+                                <a:rPr lang="hu-HU" sz="1200" i="1">
+                                  <a:solidFill>
+                                    <a:schemeClr val="bg1"/>
+                                  </a:solidFill>
+                                  <a:latin typeface="Cambria Math" panose="02040503050406030204" pitchFamily="18" charset="0"/>
+                                  <a:ea typeface="Calibri" panose="020F0502020204030204" pitchFamily="34" charset="0"/>
+                                </a:rPr>
+                                <m:t>𝑥</m:t>
+                              </m:r>
+                            </m:e>
+                            <m:sub>
+                              <m:r>
+                                <a:rPr lang="hu-HU" sz="1200" i="1">
+                                  <a:solidFill>
+                                    <a:schemeClr val="bg1"/>
+                                  </a:solidFill>
+                                  <a:latin typeface="Cambria Math" panose="02040503050406030204" pitchFamily="18" charset="0"/>
+                                  <a:ea typeface="Calibri" panose="020F0502020204030204" pitchFamily="34" charset="0"/>
+                                </a:rPr>
+                                <m:t>𝑗</m:t>
+                              </m:r>
+                            </m:sub>
+                          </m:sSub>
+                          <m:r>
+                            <a:rPr lang="hu-HU" sz="1200">
+                              <a:solidFill>
+                                <a:schemeClr val="bg1"/>
+                              </a:solidFill>
+                              <a:latin typeface="Cambria Math" panose="02040503050406030204" pitchFamily="18" charset="0"/>
+                              <a:ea typeface="Calibri" panose="020F0502020204030204" pitchFamily="34" charset="0"/>
+                            </a:rPr>
+                            <m:t> </m:t>
+                          </m:r>
+                          <m:r>
+                            <a:rPr lang="hu-HU" sz="1200" i="1">
+                              <a:solidFill>
+                                <a:schemeClr val="bg1"/>
+                              </a:solidFill>
+                              <a:latin typeface="Cambria Math" panose="02040503050406030204" pitchFamily="18" charset="0"/>
+                              <a:ea typeface="Calibri" panose="020F0502020204030204" pitchFamily="34" charset="0"/>
+                            </a:rPr>
+                            <m:t>∗</m:t>
+                          </m:r>
+                          <m:r>
+                            <a:rPr lang="hu-HU" sz="1200">
+                              <a:solidFill>
+                                <a:schemeClr val="bg1"/>
+                              </a:solidFill>
+                              <a:latin typeface="Cambria Math" panose="02040503050406030204" pitchFamily="18" charset="0"/>
+                              <a:ea typeface="Calibri" panose="020F0502020204030204" pitchFamily="34" charset="0"/>
+                            </a:rPr>
+                            <m:t> </m:t>
+                          </m:r>
+                          <m:sSub>
+                            <m:sSubPr>
+                              <m:ctrlPr>
+                                <a:rPr lang="hu-HU" sz="1200" i="1">
+                                  <a:solidFill>
+                                    <a:schemeClr val="bg1"/>
+                                  </a:solidFill>
+                                  <a:latin typeface="Cambria Math" panose="02040503050406030204" pitchFamily="18" charset="0"/>
+                                  <a:ea typeface="Calibri" panose="020F0502020204030204" pitchFamily="34" charset="0"/>
+                                </a:rPr>
+                              </m:ctrlPr>
+                            </m:sSubPr>
+                            <m:e>
+                              <m:r>
+                                <a:rPr lang="hu-HU" sz="1200">
+                                  <a:solidFill>
+                                    <a:schemeClr val="bg1"/>
+                                  </a:solidFill>
+                                  <a:latin typeface="Cambria Math" panose="02040503050406030204" pitchFamily="18" charset="0"/>
+                                  <a:ea typeface="Calibri" panose="020F0502020204030204" pitchFamily="34" charset="0"/>
+                                </a:rPr>
+                                <m:t>(</m:t>
+                              </m:r>
+                              <m:r>
+                                <a:rPr lang="hu-HU" sz="1200" i="1">
+                                  <a:solidFill>
+                                    <a:schemeClr val="bg1"/>
+                                  </a:solidFill>
+                                  <a:latin typeface="Cambria Math" panose="02040503050406030204" pitchFamily="18" charset="0"/>
+                                  <a:ea typeface="Calibri" panose="020F0502020204030204" pitchFamily="34" charset="0"/>
+                                </a:rPr>
+                                <m:t>𝑝𝑜𝑛𝑡𝑠𝑧</m:t>
+                              </m:r>
+                              <m:r>
+                                <a:rPr lang="hu-HU" sz="1200">
+                                  <a:solidFill>
+                                    <a:schemeClr val="bg1"/>
+                                  </a:solidFill>
+                                  <a:latin typeface="Cambria Math" panose="02040503050406030204" pitchFamily="18" charset="0"/>
+                                  <a:ea typeface="Calibri" panose="020F0502020204030204" pitchFamily="34" charset="0"/>
+                                </a:rPr>
+                                <m:t>á</m:t>
+                              </m:r>
+                              <m:r>
+                                <a:rPr lang="hu-HU" sz="1200" i="1">
+                                  <a:solidFill>
+                                    <a:schemeClr val="bg1"/>
+                                  </a:solidFill>
+                                  <a:latin typeface="Cambria Math" panose="02040503050406030204" pitchFamily="18" charset="0"/>
+                                  <a:ea typeface="Calibri" panose="020F0502020204030204" pitchFamily="34" charset="0"/>
+                                </a:rPr>
+                                <m:t>𝑚</m:t>
+                              </m:r>
+                              <m:r>
+                                <a:rPr lang="hu-HU" sz="1200">
+                                  <a:solidFill>
+                                    <a:schemeClr val="bg1"/>
+                                  </a:solidFill>
+                                  <a:latin typeface="Cambria Math" panose="02040503050406030204" pitchFamily="18" charset="0"/>
+                                  <a:ea typeface="Calibri" panose="020F0502020204030204" pitchFamily="34" charset="0"/>
+                                </a:rPr>
+                                <m:t>)</m:t>
+                              </m:r>
+                            </m:e>
+                            <m:sub>
+                              <m:r>
+                                <a:rPr lang="hu-HU" sz="1200" i="1">
+                                  <a:solidFill>
+                                    <a:schemeClr val="bg1"/>
+                                  </a:solidFill>
+                                  <a:latin typeface="Cambria Math" panose="02040503050406030204" pitchFamily="18" charset="0"/>
+                                  <a:ea typeface="Calibri" panose="020F0502020204030204" pitchFamily="34" charset="0"/>
+                                </a:rPr>
+                                <m:t>𝑗</m:t>
+                              </m:r>
+                            </m:sub>
+                          </m:sSub>
+                        </m:e>
+                      </m:nary>
+                      <m:r>
+                        <a:rPr lang="hu-HU" sz="1200">
+                          <a:solidFill>
+                            <a:schemeClr val="bg1"/>
+                          </a:solidFill>
+                          <a:latin typeface="Cambria Math" panose="02040503050406030204" pitchFamily="18" charset="0"/>
+                          <a:ea typeface="Calibri" panose="020F0502020204030204" pitchFamily="34" charset="0"/>
+                        </a:rPr>
+                        <m:t> ; </m:t>
+                      </m:r>
+                      <m:sSub>
+                        <m:sSubPr>
+                          <m:ctrlPr>
+                            <a:rPr lang="hu-HU" sz="1200" i="1">
+                              <a:solidFill>
+                                <a:schemeClr val="bg1"/>
+                              </a:solidFill>
+                              <a:latin typeface="Cambria Math" panose="02040503050406030204" pitchFamily="18" charset="0"/>
+                              <a:ea typeface="Calibri" panose="020F0502020204030204" pitchFamily="34" charset="0"/>
+                            </a:rPr>
+                          </m:ctrlPr>
+                        </m:sSubPr>
+                        <m:e>
+                          <m:r>
+                            <a:rPr lang="hu-HU" sz="1200" i="1">
+                              <a:solidFill>
+                                <a:schemeClr val="bg1"/>
+                              </a:solidFill>
+                              <a:latin typeface="Cambria Math" panose="02040503050406030204" pitchFamily="18" charset="0"/>
+                              <a:ea typeface="Calibri" panose="020F0502020204030204" pitchFamily="34" charset="0"/>
+                            </a:rPr>
+                            <m:t>𝑓</m:t>
+                          </m:r>
+                        </m:e>
+                        <m:sub>
+                          <m:r>
+                            <a:rPr lang="hu-HU" sz="1200">
+                              <a:solidFill>
+                                <a:schemeClr val="bg1"/>
+                              </a:solidFill>
+                              <a:latin typeface="Cambria Math" panose="02040503050406030204" pitchFamily="18" charset="0"/>
+                              <a:ea typeface="Calibri" panose="020F0502020204030204" pitchFamily="34" charset="0"/>
+                            </a:rPr>
+                            <m:t>1</m:t>
+                          </m:r>
+                        </m:sub>
+                      </m:sSub>
+                      <m:r>
+                        <a:rPr lang="hu-HU" sz="1200" i="1">
+                          <a:solidFill>
+                            <a:schemeClr val="bg1"/>
+                          </a:solidFill>
+                          <a:latin typeface="Cambria Math" panose="02040503050406030204" pitchFamily="18" charset="0"/>
+                          <a:ea typeface="Calibri" panose="020F0502020204030204" pitchFamily="34" charset="0"/>
+                        </a:rPr>
+                        <m:t>′</m:t>
+                      </m:r>
+                      <m:r>
+                        <a:rPr lang="hu-HU" sz="1200">
+                          <a:solidFill>
+                            <a:schemeClr val="bg1"/>
+                          </a:solidFill>
+                          <a:latin typeface="Cambria Math" panose="02040503050406030204" pitchFamily="18" charset="0"/>
+                          <a:ea typeface="Calibri" panose="020F0502020204030204" pitchFamily="34" charset="0"/>
+                        </a:rPr>
+                        <m:t> = </m:t>
+                      </m:r>
+                      <m:sSub>
+                        <m:sSubPr>
+                          <m:ctrlPr>
+                            <a:rPr lang="hu-HU" sz="1200" i="1">
+                              <a:solidFill>
+                                <a:schemeClr val="bg1"/>
+                              </a:solidFill>
+                              <a:latin typeface="Cambria Math" panose="02040503050406030204" pitchFamily="18" charset="0"/>
+                              <a:ea typeface="Calibri" panose="020F0502020204030204" pitchFamily="34" charset="0"/>
+                            </a:rPr>
+                          </m:ctrlPr>
+                        </m:sSubPr>
+                        <m:e>
+                          <m:r>
+                            <a:rPr lang="hu-HU" sz="1200" i="1">
+                              <a:solidFill>
+                                <a:schemeClr val="bg1"/>
+                              </a:solidFill>
+                              <a:latin typeface="Cambria Math" panose="02040503050406030204" pitchFamily="18" charset="0"/>
+                              <a:ea typeface="Calibri" panose="020F0502020204030204" pitchFamily="34" charset="0"/>
+                            </a:rPr>
+                            <m:t>𝑓</m:t>
+                          </m:r>
+                        </m:e>
+                        <m:sub>
+                          <m:r>
+                            <a:rPr lang="hu-HU" sz="1200">
+                              <a:solidFill>
+                                <a:schemeClr val="bg1"/>
+                              </a:solidFill>
+                              <a:latin typeface="Cambria Math" panose="02040503050406030204" pitchFamily="18" charset="0"/>
+                              <a:ea typeface="Calibri" panose="020F0502020204030204" pitchFamily="34" charset="0"/>
+                            </a:rPr>
+                            <m:t>1</m:t>
+                          </m:r>
+                        </m:sub>
+                      </m:sSub>
+                      <m:r>
+                        <a:rPr lang="hu-HU" sz="1200">
+                          <a:solidFill>
+                            <a:schemeClr val="bg1"/>
+                          </a:solidFill>
+                          <a:latin typeface="Cambria Math" panose="02040503050406030204" pitchFamily="18" charset="0"/>
+                          <a:ea typeface="Calibri" panose="020F0502020204030204" pitchFamily="34" charset="0"/>
+                        </a:rPr>
+                        <m:t> / </m:t>
+                      </m:r>
+                      <m:nary>
+                        <m:naryPr>
+                          <m:chr m:val="∑"/>
+                          <m:limLoc m:val="undOvr"/>
+                          <m:ctrlPr>
+                            <a:rPr lang="hu-HU" sz="1200" i="1">
+                              <a:solidFill>
+                                <a:schemeClr val="bg1"/>
+                              </a:solidFill>
+                              <a:latin typeface="Cambria Math" panose="02040503050406030204" pitchFamily="18" charset="0"/>
+                              <a:ea typeface="Calibri" panose="020F0502020204030204" pitchFamily="34" charset="0"/>
+                            </a:rPr>
+                          </m:ctrlPr>
+                        </m:naryPr>
+                        <m:sub>
+                          <m:r>
+                            <a:rPr lang="hu-HU" sz="1200" i="1">
+                              <a:solidFill>
+                                <a:schemeClr val="bg1"/>
+                              </a:solidFill>
+                              <a:latin typeface="Cambria Math" panose="02040503050406030204" pitchFamily="18" charset="0"/>
+                              <a:ea typeface="Calibri" panose="020F0502020204030204" pitchFamily="34" charset="0"/>
+                            </a:rPr>
+                            <m:t>𝑗</m:t>
+                          </m:r>
+                          <m:r>
+                            <a:rPr lang="hu-HU" sz="1200">
+                              <a:solidFill>
+                                <a:schemeClr val="bg1"/>
+                              </a:solidFill>
+                              <a:latin typeface="Cambria Math" panose="02040503050406030204" pitchFamily="18" charset="0"/>
+                              <a:ea typeface="Calibri" panose="020F0502020204030204" pitchFamily="34" charset="0"/>
+                            </a:rPr>
+                            <m:t>=1</m:t>
+                          </m:r>
+                        </m:sub>
+                        <m:sup>
+                          <m:r>
+                            <a:rPr lang="hu-HU" sz="1200" i="1">
+                              <a:solidFill>
+                                <a:schemeClr val="bg1"/>
+                              </a:solidFill>
+                              <a:latin typeface="Cambria Math" panose="02040503050406030204" pitchFamily="18" charset="0"/>
+                              <a:ea typeface="Calibri" panose="020F0502020204030204" pitchFamily="34" charset="0"/>
+                            </a:rPr>
+                            <m:t>𝑛</m:t>
+                          </m:r>
+                        </m:sup>
+                        <m:e>
+                          <m:sSub>
+                            <m:sSubPr>
+                              <m:ctrlPr>
+                                <a:rPr lang="hu-HU" sz="1200" i="1">
+                                  <a:solidFill>
+                                    <a:schemeClr val="bg1"/>
+                                  </a:solidFill>
+                                  <a:latin typeface="Cambria Math" panose="02040503050406030204" pitchFamily="18" charset="0"/>
+                                  <a:ea typeface="Calibri" panose="020F0502020204030204" pitchFamily="34" charset="0"/>
+                                </a:rPr>
+                              </m:ctrlPr>
+                            </m:sSubPr>
+                            <m:e>
+                              <m:r>
+                                <a:rPr lang="hu-HU" sz="1200">
+                                  <a:solidFill>
+                                    <a:schemeClr val="bg1"/>
+                                  </a:solidFill>
+                                  <a:latin typeface="Cambria Math" panose="02040503050406030204" pitchFamily="18" charset="0"/>
+                                  <a:ea typeface="Calibri" panose="020F0502020204030204" pitchFamily="34" charset="0"/>
+                                </a:rPr>
+                                <m:t>(</m:t>
+                              </m:r>
+                              <m:r>
+                                <a:rPr lang="hu-HU" sz="1200" i="1">
+                                  <a:solidFill>
+                                    <a:schemeClr val="bg1"/>
+                                  </a:solidFill>
+                                  <a:latin typeface="Cambria Math" panose="02040503050406030204" pitchFamily="18" charset="0"/>
+                                  <a:ea typeface="Calibri" panose="020F0502020204030204" pitchFamily="34" charset="0"/>
+                                </a:rPr>
+                                <m:t>𝑝𝑜𝑛𝑡𝑠𝑧</m:t>
+                              </m:r>
+                              <m:r>
+                                <a:rPr lang="hu-HU" sz="1200">
+                                  <a:solidFill>
+                                    <a:schemeClr val="bg1"/>
+                                  </a:solidFill>
+                                  <a:latin typeface="Cambria Math" panose="02040503050406030204" pitchFamily="18" charset="0"/>
+                                  <a:ea typeface="Calibri" panose="020F0502020204030204" pitchFamily="34" charset="0"/>
+                                </a:rPr>
+                                <m:t>á</m:t>
+                              </m:r>
+                              <m:r>
+                                <a:rPr lang="hu-HU" sz="1200" i="1">
+                                  <a:solidFill>
+                                    <a:schemeClr val="bg1"/>
+                                  </a:solidFill>
+                                  <a:latin typeface="Cambria Math" panose="02040503050406030204" pitchFamily="18" charset="0"/>
+                                  <a:ea typeface="Calibri" panose="020F0502020204030204" pitchFamily="34" charset="0"/>
+                                </a:rPr>
+                                <m:t>𝑚</m:t>
+                              </m:r>
+                              <m:r>
+                                <a:rPr lang="hu-HU" sz="1200">
+                                  <a:solidFill>
+                                    <a:schemeClr val="bg1"/>
+                                  </a:solidFill>
+                                  <a:latin typeface="Cambria Math" panose="02040503050406030204" pitchFamily="18" charset="0"/>
+                                  <a:ea typeface="Calibri" panose="020F0502020204030204" pitchFamily="34" charset="0"/>
+                                </a:rPr>
+                                <m:t>)</m:t>
+                              </m:r>
+                            </m:e>
+                            <m:sub>
+                              <m:r>
+                                <a:rPr lang="hu-HU" sz="1200" i="1">
+                                  <a:solidFill>
+                                    <a:schemeClr val="bg1"/>
+                                  </a:solidFill>
+                                  <a:latin typeface="Cambria Math" panose="02040503050406030204" pitchFamily="18" charset="0"/>
+                                  <a:ea typeface="Calibri" panose="020F0502020204030204" pitchFamily="34" charset="0"/>
+                                </a:rPr>
+                                <m:t>𝑗</m:t>
+                              </m:r>
+                            </m:sub>
+                          </m:sSub>
+                        </m:e>
+                      </m:nary>
+                    </m:oMath>
+                  </m:oMathPara>
+                </a14:m>
+                <a:endParaRPr lang="hu-HU" sz="1200" dirty="0">
+                  <a:solidFill>
+                    <a:schemeClr val="bg1"/>
+                  </a:solidFill>
+                  <a:latin typeface="Times New Roman" panose="02020603050405020304" pitchFamily="18" charset="0"/>
+                  <a:ea typeface="Calibri" panose="020F0502020204030204" pitchFamily="34" charset="0"/>
+                </a:endParaRPr>
+              </a:p>
+              <a:p>
+                <a:pPr algn="just">
+                  <a:lnSpc>
+                    <a:spcPct val="115000"/>
+                  </a:lnSpc>
+                  <a:spcBef>
+                    <a:spcPts val="600"/>
+                  </a:spcBef>
+                  <a:spcAft>
+                    <a:spcPts val="1200"/>
+                  </a:spcAft>
+                </a:pPr>
+                <a14:m>
+                  <m:oMathPara xmlns:m="http://schemas.openxmlformats.org/officeDocument/2006/math">
+                    <m:oMathParaPr>
+                      <m:jc m:val="centerGroup"/>
+                    </m:oMathParaPr>
+                    <m:oMath xmlns:m="http://schemas.openxmlformats.org/officeDocument/2006/math">
+                      <m:r>
+                        <a:rPr lang="hu-HU" sz="1200">
+                          <a:solidFill>
+                            <a:schemeClr val="bg1"/>
+                          </a:solidFill>
+                          <a:latin typeface="Cambria Math" panose="02040503050406030204" pitchFamily="18" charset="0"/>
+                          <a:ea typeface="Calibri" panose="020F0502020204030204" pitchFamily="34" charset="0"/>
+                        </a:rPr>
+                        <m:t>2. </m:t>
+                      </m:r>
+                      <m:r>
+                        <a:rPr lang="hu-HU" sz="1200" i="1">
+                          <a:solidFill>
+                            <a:schemeClr val="bg1"/>
+                          </a:solidFill>
+                          <a:latin typeface="Cambria Math" panose="02040503050406030204" pitchFamily="18" charset="0"/>
+                          <a:ea typeface="Calibri" panose="020F0502020204030204" pitchFamily="34" charset="0"/>
+                        </a:rPr>
+                        <m:t>𝑐</m:t>
+                      </m:r>
+                      <m:r>
+                        <m:rPr>
+                          <m:sty m:val="p"/>
+                        </m:rPr>
+                        <a:rPr lang="hu-HU" sz="1200" b="0" i="0" smtClean="0">
+                          <a:solidFill>
+                            <a:schemeClr val="bg1"/>
+                          </a:solidFill>
+                          <a:latin typeface="Cambria Math" panose="02040503050406030204" pitchFamily="18" charset="0"/>
+                          <a:ea typeface="Calibri" panose="020F0502020204030204" pitchFamily="34" charset="0"/>
+                        </a:rPr>
+                        <m:t>f</m:t>
+                      </m:r>
+                      <m:r>
+                        <a:rPr lang="hu-HU" sz="1200">
+                          <a:solidFill>
+                            <a:schemeClr val="bg1"/>
+                          </a:solidFill>
+                          <a:latin typeface="Cambria Math" panose="02040503050406030204" pitchFamily="18" charset="0"/>
+                          <a:ea typeface="Calibri" panose="020F0502020204030204" pitchFamily="34" charset="0"/>
+                        </a:rPr>
+                        <m:t>. : </m:t>
+                      </m:r>
+                      <m:sSub>
+                        <m:sSubPr>
+                          <m:ctrlPr>
+                            <a:rPr lang="hu-HU" sz="1200" i="1">
+                              <a:solidFill>
+                                <a:schemeClr val="bg1"/>
+                              </a:solidFill>
+                              <a:latin typeface="Cambria Math" panose="02040503050406030204" pitchFamily="18" charset="0"/>
+                              <a:ea typeface="Calibri" panose="020F0502020204030204" pitchFamily="34" charset="0"/>
+                            </a:rPr>
+                          </m:ctrlPr>
+                        </m:sSubPr>
+                        <m:e>
+                          <m:r>
+                            <a:rPr lang="hu-HU" sz="1200" i="1">
+                              <a:solidFill>
+                                <a:schemeClr val="bg1"/>
+                              </a:solidFill>
+                              <a:latin typeface="Cambria Math" panose="02040503050406030204" pitchFamily="18" charset="0"/>
+                              <a:ea typeface="Calibri" panose="020F0502020204030204" pitchFamily="34" charset="0"/>
+                            </a:rPr>
+                            <m:t>𝑓</m:t>
+                          </m:r>
+                        </m:e>
+                        <m:sub>
+                          <m:r>
+                            <a:rPr lang="hu-HU" sz="1200">
+                              <a:solidFill>
+                                <a:schemeClr val="bg1"/>
+                              </a:solidFill>
+                              <a:latin typeface="Cambria Math" panose="02040503050406030204" pitchFamily="18" charset="0"/>
+                              <a:ea typeface="Calibri" panose="020F0502020204030204" pitchFamily="34" charset="0"/>
+                            </a:rPr>
+                            <m:t>2</m:t>
+                          </m:r>
+                        </m:sub>
+                      </m:sSub>
+                      <m:r>
+                        <a:rPr lang="hu-HU" sz="1200">
+                          <a:solidFill>
+                            <a:schemeClr val="bg1"/>
+                          </a:solidFill>
+                          <a:latin typeface="Cambria Math" panose="02040503050406030204" pitchFamily="18" charset="0"/>
+                          <a:ea typeface="Calibri" panose="020F0502020204030204" pitchFamily="34" charset="0"/>
+                        </a:rPr>
+                        <m:t> = </m:t>
+                      </m:r>
+                      <m:nary>
+                        <m:naryPr>
+                          <m:chr m:val="∑"/>
+                          <m:limLoc m:val="undOvr"/>
+                          <m:ctrlPr>
+                            <a:rPr lang="hu-HU" sz="1200" i="1">
+                              <a:solidFill>
+                                <a:schemeClr val="bg1"/>
+                              </a:solidFill>
+                              <a:latin typeface="Cambria Math" panose="02040503050406030204" pitchFamily="18" charset="0"/>
+                              <a:ea typeface="Calibri" panose="020F0502020204030204" pitchFamily="34" charset="0"/>
+                            </a:rPr>
+                          </m:ctrlPr>
+                        </m:naryPr>
+                        <m:sub>
+                          <m:r>
+                            <a:rPr lang="hu-HU" sz="1200" i="1">
+                              <a:solidFill>
+                                <a:schemeClr val="bg1"/>
+                              </a:solidFill>
+                              <a:latin typeface="Cambria Math" panose="02040503050406030204" pitchFamily="18" charset="0"/>
+                              <a:ea typeface="Calibri" panose="020F0502020204030204" pitchFamily="34" charset="0"/>
+                            </a:rPr>
+                            <m:t>𝑗</m:t>
+                          </m:r>
+                          <m:r>
+                            <a:rPr lang="hu-HU" sz="1200">
+                              <a:solidFill>
+                                <a:schemeClr val="bg1"/>
+                              </a:solidFill>
+                              <a:latin typeface="Cambria Math" panose="02040503050406030204" pitchFamily="18" charset="0"/>
+                              <a:ea typeface="Calibri" panose="020F0502020204030204" pitchFamily="34" charset="0"/>
+                            </a:rPr>
+                            <m:t>=1</m:t>
+                          </m:r>
+                        </m:sub>
+                        <m:sup>
+                          <m:r>
+                            <a:rPr lang="hu-HU" sz="1200" i="1">
+                              <a:solidFill>
+                                <a:schemeClr val="bg1"/>
+                              </a:solidFill>
+                              <a:latin typeface="Cambria Math" panose="02040503050406030204" pitchFamily="18" charset="0"/>
+                              <a:ea typeface="Calibri" panose="020F0502020204030204" pitchFamily="34" charset="0"/>
+                            </a:rPr>
+                            <m:t>𝑛</m:t>
+                          </m:r>
+                        </m:sup>
+                        <m:e>
+                          <m:sSub>
+                            <m:sSubPr>
+                              <m:ctrlPr>
+                                <a:rPr lang="hu-HU" sz="1200" i="1">
+                                  <a:solidFill>
+                                    <a:schemeClr val="bg1"/>
+                                  </a:solidFill>
+                                  <a:latin typeface="Cambria Math" panose="02040503050406030204" pitchFamily="18" charset="0"/>
+                                  <a:ea typeface="Calibri" panose="020F0502020204030204" pitchFamily="34" charset="0"/>
+                                </a:rPr>
+                              </m:ctrlPr>
+                            </m:sSubPr>
+                            <m:e>
+                              <m:r>
+                                <a:rPr lang="hu-HU" sz="1200" i="1">
+                                  <a:solidFill>
+                                    <a:schemeClr val="bg1"/>
+                                  </a:solidFill>
+                                  <a:latin typeface="Cambria Math" panose="02040503050406030204" pitchFamily="18" charset="0"/>
+                                  <a:ea typeface="Calibri" panose="020F0502020204030204" pitchFamily="34" charset="0"/>
+                                </a:rPr>
+                                <m:t>𝑥</m:t>
+                              </m:r>
+                            </m:e>
+                            <m:sub>
+                              <m:r>
+                                <a:rPr lang="hu-HU" sz="1200" i="1">
+                                  <a:solidFill>
+                                    <a:schemeClr val="bg1"/>
+                                  </a:solidFill>
+                                  <a:latin typeface="Cambria Math" panose="02040503050406030204" pitchFamily="18" charset="0"/>
+                                  <a:ea typeface="Calibri" panose="020F0502020204030204" pitchFamily="34" charset="0"/>
+                                </a:rPr>
+                                <m:t>𝑗</m:t>
+                              </m:r>
+                            </m:sub>
+                          </m:sSub>
+                          <m:r>
+                            <a:rPr lang="hu-HU" sz="1200">
+                              <a:solidFill>
+                                <a:schemeClr val="bg1"/>
+                              </a:solidFill>
+                              <a:latin typeface="Cambria Math" panose="02040503050406030204" pitchFamily="18" charset="0"/>
+                              <a:ea typeface="Calibri" panose="020F0502020204030204" pitchFamily="34" charset="0"/>
+                            </a:rPr>
+                            <m:t> </m:t>
+                          </m:r>
+                          <m:r>
+                            <a:rPr lang="hu-HU" sz="1200" i="1">
+                              <a:solidFill>
+                                <a:schemeClr val="bg1"/>
+                              </a:solidFill>
+                              <a:latin typeface="Cambria Math" panose="02040503050406030204" pitchFamily="18" charset="0"/>
+                              <a:ea typeface="Calibri" panose="020F0502020204030204" pitchFamily="34" charset="0"/>
+                            </a:rPr>
+                            <m:t>∗</m:t>
+                          </m:r>
+                          <m:r>
+                            <a:rPr lang="hu-HU" sz="1200">
+                              <a:solidFill>
+                                <a:schemeClr val="bg1"/>
+                              </a:solidFill>
+                              <a:latin typeface="Cambria Math" panose="02040503050406030204" pitchFamily="18" charset="0"/>
+                              <a:ea typeface="Calibri" panose="020F0502020204030204" pitchFamily="34" charset="0"/>
+                            </a:rPr>
+                            <m:t> </m:t>
+                          </m:r>
+                          <m:sSub>
+                            <m:sSubPr>
+                              <m:ctrlPr>
+                                <a:rPr lang="hu-HU" sz="1200" i="1">
+                                  <a:solidFill>
+                                    <a:schemeClr val="bg1"/>
+                                  </a:solidFill>
+                                  <a:latin typeface="Cambria Math" panose="02040503050406030204" pitchFamily="18" charset="0"/>
+                                  <a:ea typeface="Calibri" panose="020F0502020204030204" pitchFamily="34" charset="0"/>
+                                </a:rPr>
+                              </m:ctrlPr>
+                            </m:sSubPr>
+                            <m:e>
+                              <m:r>
+                                <a:rPr lang="hu-HU" sz="1200">
+                                  <a:solidFill>
+                                    <a:schemeClr val="bg1"/>
+                                  </a:solidFill>
+                                  <a:latin typeface="Cambria Math" panose="02040503050406030204" pitchFamily="18" charset="0"/>
+                                  <a:ea typeface="Calibri" panose="020F0502020204030204" pitchFamily="34" charset="0"/>
+                                </a:rPr>
+                                <m:t>(</m:t>
+                              </m:r>
+                              <m:r>
+                                <a:rPr lang="hu-HU" sz="1200" i="1">
+                                  <a:solidFill>
+                                    <a:schemeClr val="bg1"/>
+                                  </a:solidFill>
+                                  <a:latin typeface="Cambria Math" panose="02040503050406030204" pitchFamily="18" charset="0"/>
+                                  <a:ea typeface="Calibri" panose="020F0502020204030204" pitchFamily="34" charset="0"/>
+                                </a:rPr>
+                                <m:t>𝑡</m:t>
+                              </m:r>
+                              <m:r>
+                                <a:rPr lang="hu-HU" sz="1200">
+                                  <a:solidFill>
+                                    <a:schemeClr val="bg1"/>
+                                  </a:solidFill>
+                                  <a:latin typeface="Cambria Math" panose="02040503050406030204" pitchFamily="18" charset="0"/>
+                                  <a:ea typeface="Calibri" panose="020F0502020204030204" pitchFamily="34" charset="0"/>
+                                </a:rPr>
+                                <m:t>á</m:t>
+                              </m:r>
+                              <m:r>
+                                <a:rPr lang="hu-HU" sz="1200" i="1">
+                                  <a:solidFill>
+                                    <a:schemeClr val="bg1"/>
+                                  </a:solidFill>
+                                  <a:latin typeface="Cambria Math" panose="02040503050406030204" pitchFamily="18" charset="0"/>
+                                  <a:ea typeface="Calibri" panose="020F0502020204030204" pitchFamily="34" charset="0"/>
+                                </a:rPr>
+                                <m:t>𝑝𝑎𝑛𝑦𝑎𝑔</m:t>
+                              </m:r>
+                              <m:r>
+                                <a:rPr lang="hu-HU" sz="1200">
+                                  <a:solidFill>
+                                    <a:schemeClr val="bg1"/>
+                                  </a:solidFill>
+                                  <a:latin typeface="Cambria Math" panose="02040503050406030204" pitchFamily="18" charset="0"/>
+                                  <a:ea typeface="Calibri" panose="020F0502020204030204" pitchFamily="34" charset="0"/>
+                                </a:rPr>
+                                <m:t> </m:t>
+                              </m:r>
+                              <m:r>
+                                <a:rPr lang="hu-HU" sz="1200" i="1">
+                                  <a:solidFill>
+                                    <a:schemeClr val="bg1"/>
+                                  </a:solidFill>
+                                  <a:latin typeface="Cambria Math" panose="02040503050406030204" pitchFamily="18" charset="0"/>
+                                  <a:ea typeface="Calibri" panose="020F0502020204030204" pitchFamily="34" charset="0"/>
+                                </a:rPr>
+                                <m:t>h𝑖𝑏𝑎</m:t>
+                              </m:r>
+                              <m:r>
+                                <a:rPr lang="hu-HU" sz="1200">
+                                  <a:solidFill>
+                                    <a:schemeClr val="bg1"/>
+                                  </a:solidFill>
+                                  <a:latin typeface="Cambria Math" panose="02040503050406030204" pitchFamily="18" charset="0"/>
+                                  <a:ea typeface="Calibri" panose="020F0502020204030204" pitchFamily="34" charset="0"/>
+                                </a:rPr>
+                                <m:t>)</m:t>
+                              </m:r>
+                            </m:e>
+                            <m:sub>
+                              <m:r>
+                                <a:rPr lang="hu-HU" sz="1200" i="1">
+                                  <a:solidFill>
+                                    <a:schemeClr val="bg1"/>
+                                  </a:solidFill>
+                                  <a:latin typeface="Cambria Math" panose="02040503050406030204" pitchFamily="18" charset="0"/>
+                                  <a:ea typeface="Calibri" panose="020F0502020204030204" pitchFamily="34" charset="0"/>
+                                </a:rPr>
+                                <m:t>𝑗</m:t>
+                              </m:r>
+                            </m:sub>
+                          </m:sSub>
+                        </m:e>
+                      </m:nary>
+                      <m:r>
+                        <a:rPr lang="hu-HU" sz="1200">
+                          <a:solidFill>
+                            <a:schemeClr val="bg1"/>
+                          </a:solidFill>
+                          <a:latin typeface="Cambria Math" panose="02040503050406030204" pitchFamily="18" charset="0"/>
+                          <a:ea typeface="Calibri" panose="020F0502020204030204" pitchFamily="34" charset="0"/>
+                        </a:rPr>
+                        <m:t> ; </m:t>
+                      </m:r>
+                      <m:sSub>
+                        <m:sSubPr>
+                          <m:ctrlPr>
+                            <a:rPr lang="hu-HU" sz="1200" i="1">
+                              <a:solidFill>
+                                <a:schemeClr val="bg1"/>
+                              </a:solidFill>
+                              <a:latin typeface="Cambria Math" panose="02040503050406030204" pitchFamily="18" charset="0"/>
+                              <a:ea typeface="Calibri" panose="020F0502020204030204" pitchFamily="34" charset="0"/>
+                            </a:rPr>
+                          </m:ctrlPr>
+                        </m:sSubPr>
+                        <m:e>
+                          <m:r>
+                            <a:rPr lang="hu-HU" sz="1200" i="1">
+                              <a:solidFill>
+                                <a:schemeClr val="bg1"/>
+                              </a:solidFill>
+                              <a:latin typeface="Cambria Math" panose="02040503050406030204" pitchFamily="18" charset="0"/>
+                              <a:ea typeface="Calibri" panose="020F0502020204030204" pitchFamily="34" charset="0"/>
+                            </a:rPr>
+                            <m:t>𝑓</m:t>
+                          </m:r>
+                        </m:e>
+                        <m:sub>
+                          <m:r>
+                            <a:rPr lang="hu-HU" sz="1200">
+                              <a:solidFill>
+                                <a:schemeClr val="bg1"/>
+                              </a:solidFill>
+                              <a:latin typeface="Cambria Math" panose="02040503050406030204" pitchFamily="18" charset="0"/>
+                              <a:ea typeface="Calibri" panose="020F0502020204030204" pitchFamily="34" charset="0"/>
+                            </a:rPr>
+                            <m:t>2</m:t>
+                          </m:r>
+                        </m:sub>
+                      </m:sSub>
+                      <m:r>
+                        <a:rPr lang="hu-HU" sz="1200" i="1">
+                          <a:solidFill>
+                            <a:schemeClr val="bg1"/>
+                          </a:solidFill>
+                          <a:latin typeface="Cambria Math" panose="02040503050406030204" pitchFamily="18" charset="0"/>
+                          <a:ea typeface="Calibri" panose="020F0502020204030204" pitchFamily="34" charset="0"/>
+                        </a:rPr>
+                        <m:t>′</m:t>
+                      </m:r>
+                      <m:r>
+                        <a:rPr lang="hu-HU" sz="1200">
+                          <a:solidFill>
+                            <a:schemeClr val="bg1"/>
+                          </a:solidFill>
+                          <a:latin typeface="Cambria Math" panose="02040503050406030204" pitchFamily="18" charset="0"/>
+                          <a:ea typeface="Calibri" panose="020F0502020204030204" pitchFamily="34" charset="0"/>
+                        </a:rPr>
+                        <m:t> = </m:t>
+                      </m:r>
+                      <m:sSub>
+                        <m:sSubPr>
+                          <m:ctrlPr>
+                            <a:rPr lang="hu-HU" sz="1200" i="1">
+                              <a:solidFill>
+                                <a:schemeClr val="bg1"/>
+                              </a:solidFill>
+                              <a:latin typeface="Cambria Math" panose="02040503050406030204" pitchFamily="18" charset="0"/>
+                              <a:ea typeface="Calibri" panose="020F0502020204030204" pitchFamily="34" charset="0"/>
+                            </a:rPr>
+                          </m:ctrlPr>
+                        </m:sSubPr>
+                        <m:e>
+                          <m:r>
+                            <a:rPr lang="hu-HU" sz="1200" i="1">
+                              <a:solidFill>
+                                <a:schemeClr val="bg1"/>
+                              </a:solidFill>
+                              <a:latin typeface="Cambria Math" panose="02040503050406030204" pitchFamily="18" charset="0"/>
+                              <a:ea typeface="Calibri" panose="020F0502020204030204" pitchFamily="34" charset="0"/>
+                            </a:rPr>
+                            <m:t>𝑓</m:t>
+                          </m:r>
+                        </m:e>
+                        <m:sub>
+                          <m:r>
+                            <a:rPr lang="hu-HU" sz="1200">
+                              <a:solidFill>
+                                <a:schemeClr val="bg1"/>
+                              </a:solidFill>
+                              <a:latin typeface="Cambria Math" panose="02040503050406030204" pitchFamily="18" charset="0"/>
+                              <a:ea typeface="Calibri" panose="020F0502020204030204" pitchFamily="34" charset="0"/>
+                            </a:rPr>
+                            <m:t>2</m:t>
+                          </m:r>
+                        </m:sub>
+                      </m:sSub>
+                      <m:r>
+                        <a:rPr lang="hu-HU" sz="1200">
+                          <a:solidFill>
+                            <a:schemeClr val="bg1"/>
+                          </a:solidFill>
+                          <a:latin typeface="Cambria Math" panose="02040503050406030204" pitchFamily="18" charset="0"/>
+                          <a:ea typeface="Calibri" panose="020F0502020204030204" pitchFamily="34" charset="0"/>
+                        </a:rPr>
+                        <m:t> / </m:t>
+                      </m:r>
+                      <m:nary>
+                        <m:naryPr>
+                          <m:chr m:val="∑"/>
+                          <m:limLoc m:val="undOvr"/>
+                          <m:ctrlPr>
+                            <a:rPr lang="hu-HU" sz="1200" i="1">
+                              <a:solidFill>
+                                <a:schemeClr val="bg1"/>
+                              </a:solidFill>
+                              <a:latin typeface="Cambria Math" panose="02040503050406030204" pitchFamily="18" charset="0"/>
+                              <a:ea typeface="Calibri" panose="020F0502020204030204" pitchFamily="34" charset="0"/>
+                            </a:rPr>
+                          </m:ctrlPr>
+                        </m:naryPr>
+                        <m:sub>
+                          <m:r>
+                            <a:rPr lang="hu-HU" sz="1200" i="1">
+                              <a:solidFill>
+                                <a:schemeClr val="bg1"/>
+                              </a:solidFill>
+                              <a:latin typeface="Cambria Math" panose="02040503050406030204" pitchFamily="18" charset="0"/>
+                              <a:ea typeface="Calibri" panose="020F0502020204030204" pitchFamily="34" charset="0"/>
+                            </a:rPr>
+                            <m:t>𝑗</m:t>
+                          </m:r>
+                          <m:r>
+                            <a:rPr lang="hu-HU" sz="1200">
+                              <a:solidFill>
+                                <a:schemeClr val="bg1"/>
+                              </a:solidFill>
+                              <a:latin typeface="Cambria Math" panose="02040503050406030204" pitchFamily="18" charset="0"/>
+                              <a:ea typeface="Calibri" panose="020F0502020204030204" pitchFamily="34" charset="0"/>
+                            </a:rPr>
+                            <m:t>=1</m:t>
+                          </m:r>
+                        </m:sub>
+                        <m:sup>
+                          <m:r>
+                            <a:rPr lang="hu-HU" sz="1200" i="1">
+                              <a:solidFill>
+                                <a:schemeClr val="bg1"/>
+                              </a:solidFill>
+                              <a:latin typeface="Cambria Math" panose="02040503050406030204" pitchFamily="18" charset="0"/>
+                              <a:ea typeface="Calibri" panose="020F0502020204030204" pitchFamily="34" charset="0"/>
+                            </a:rPr>
+                            <m:t>𝑛</m:t>
+                          </m:r>
+                        </m:sup>
+                        <m:e>
+                          <m:sSub>
+                            <m:sSubPr>
+                              <m:ctrlPr>
+                                <a:rPr lang="hu-HU" sz="1200" i="1">
+                                  <a:solidFill>
+                                    <a:schemeClr val="bg1"/>
+                                  </a:solidFill>
+                                  <a:latin typeface="Cambria Math" panose="02040503050406030204" pitchFamily="18" charset="0"/>
+                                  <a:ea typeface="Calibri" panose="020F0502020204030204" pitchFamily="34" charset="0"/>
+                                </a:rPr>
+                              </m:ctrlPr>
+                            </m:sSubPr>
+                            <m:e>
+                              <m:r>
+                                <a:rPr lang="hu-HU" sz="1200">
+                                  <a:solidFill>
+                                    <a:schemeClr val="bg1"/>
+                                  </a:solidFill>
+                                  <a:latin typeface="Cambria Math" panose="02040503050406030204" pitchFamily="18" charset="0"/>
+                                  <a:ea typeface="Calibri" panose="020F0502020204030204" pitchFamily="34" charset="0"/>
+                                </a:rPr>
+                                <m:t>(</m:t>
+                              </m:r>
+                              <m:r>
+                                <a:rPr lang="hu-HU" sz="1200" i="1">
+                                  <a:solidFill>
+                                    <a:schemeClr val="bg1"/>
+                                  </a:solidFill>
+                                  <a:latin typeface="Cambria Math" panose="02040503050406030204" pitchFamily="18" charset="0"/>
+                                  <a:ea typeface="Calibri" panose="020F0502020204030204" pitchFamily="34" charset="0"/>
+                                </a:rPr>
+                                <m:t>𝑡</m:t>
+                              </m:r>
+                              <m:r>
+                                <a:rPr lang="hu-HU" sz="1200">
+                                  <a:solidFill>
+                                    <a:schemeClr val="bg1"/>
+                                  </a:solidFill>
+                                  <a:latin typeface="Cambria Math" panose="02040503050406030204" pitchFamily="18" charset="0"/>
+                                  <a:ea typeface="Calibri" panose="020F0502020204030204" pitchFamily="34" charset="0"/>
+                                </a:rPr>
+                                <m:t>á</m:t>
+                              </m:r>
+                              <m:r>
+                                <a:rPr lang="hu-HU" sz="1200" i="1">
+                                  <a:solidFill>
+                                    <a:schemeClr val="bg1"/>
+                                  </a:solidFill>
+                                  <a:latin typeface="Cambria Math" panose="02040503050406030204" pitchFamily="18" charset="0"/>
+                                  <a:ea typeface="Calibri" panose="020F0502020204030204" pitchFamily="34" charset="0"/>
+                                </a:rPr>
+                                <m:t>𝑝𝑎𝑛𝑦𝑎𝑔</m:t>
+                              </m:r>
+                              <m:r>
+                                <a:rPr lang="hu-HU" sz="1200">
+                                  <a:solidFill>
+                                    <a:schemeClr val="bg1"/>
+                                  </a:solidFill>
+                                  <a:latin typeface="Cambria Math" panose="02040503050406030204" pitchFamily="18" charset="0"/>
+                                  <a:ea typeface="Calibri" panose="020F0502020204030204" pitchFamily="34" charset="0"/>
+                                </a:rPr>
+                                <m:t> </m:t>
+                              </m:r>
+                              <m:r>
+                                <a:rPr lang="hu-HU" sz="1200" i="1">
+                                  <a:solidFill>
+                                    <a:schemeClr val="bg1"/>
+                                  </a:solidFill>
+                                  <a:latin typeface="Cambria Math" panose="02040503050406030204" pitchFamily="18" charset="0"/>
+                                  <a:ea typeface="Calibri" panose="020F0502020204030204" pitchFamily="34" charset="0"/>
+                                </a:rPr>
+                                <m:t>h𝑖𝑏𝑎</m:t>
+                              </m:r>
+                              <m:r>
+                                <a:rPr lang="hu-HU" sz="1200">
+                                  <a:solidFill>
+                                    <a:schemeClr val="bg1"/>
+                                  </a:solidFill>
+                                  <a:latin typeface="Cambria Math" panose="02040503050406030204" pitchFamily="18" charset="0"/>
+                                  <a:ea typeface="Calibri" panose="020F0502020204030204" pitchFamily="34" charset="0"/>
+                                </a:rPr>
+                                <m:t>)</m:t>
+                              </m:r>
+                            </m:e>
+                            <m:sub>
+                              <m:r>
+                                <a:rPr lang="hu-HU" sz="1200" i="1">
+                                  <a:solidFill>
+                                    <a:schemeClr val="bg1"/>
+                                  </a:solidFill>
+                                  <a:latin typeface="Cambria Math" panose="02040503050406030204" pitchFamily="18" charset="0"/>
+                                  <a:ea typeface="Calibri" panose="020F0502020204030204" pitchFamily="34" charset="0"/>
+                                </a:rPr>
+                                <m:t>𝑗</m:t>
+                              </m:r>
+                            </m:sub>
+                          </m:sSub>
+                        </m:e>
+                      </m:nary>
+                    </m:oMath>
+                  </m:oMathPara>
+                </a14:m>
+                <a:endParaRPr lang="hu-HU" sz="1200" dirty="0">
+                  <a:solidFill>
+                    <a:schemeClr val="bg1"/>
+                  </a:solidFill>
+                  <a:latin typeface="Times New Roman" panose="02020603050405020304" pitchFamily="18" charset="0"/>
+                  <a:ea typeface="Calibri" panose="020F0502020204030204" pitchFamily="34" charset="0"/>
+                </a:endParaRPr>
+              </a:p>
+              <a:p>
+                <a:pPr algn="just">
+                  <a:lnSpc>
+                    <a:spcPct val="115000"/>
+                  </a:lnSpc>
+                  <a:spcBef>
+                    <a:spcPts val="600"/>
+                  </a:spcBef>
+                  <a:spcAft>
+                    <a:spcPts val="1200"/>
+                  </a:spcAft>
+                </a:pPr>
+                <a14:m>
+                  <m:oMathPara xmlns:m="http://schemas.openxmlformats.org/officeDocument/2006/math">
+                    <m:oMathParaPr>
+                      <m:jc m:val="centerGroup"/>
+                    </m:oMathParaPr>
+                    <m:oMath xmlns:m="http://schemas.openxmlformats.org/officeDocument/2006/math">
+                      <m:r>
+                        <a:rPr lang="hu-HU" sz="1200" i="1">
+                          <a:solidFill>
+                            <a:schemeClr val="bg1"/>
+                          </a:solidFill>
+                          <a:latin typeface="Cambria Math" panose="02040503050406030204" pitchFamily="18" charset="0"/>
+                          <a:ea typeface="Calibri" panose="020F0502020204030204" pitchFamily="34" charset="0"/>
+                        </a:rPr>
+                        <m:t>𝑓𝑖𝑡𝑛𝑒𝑠𝑠</m:t>
+                      </m:r>
+                      <m:r>
+                        <a:rPr lang="hu-HU" sz="1200">
+                          <a:solidFill>
+                            <a:schemeClr val="bg1"/>
+                          </a:solidFill>
+                          <a:latin typeface="Cambria Math" panose="02040503050406030204" pitchFamily="18" charset="0"/>
+                          <a:ea typeface="Calibri" panose="020F0502020204030204" pitchFamily="34" charset="0"/>
+                        </a:rPr>
+                        <m:t>: </m:t>
+                      </m:r>
+                      <m:r>
+                        <a:rPr lang="hu-HU" sz="1200" i="1">
+                          <a:solidFill>
+                            <a:schemeClr val="bg1"/>
+                          </a:solidFill>
+                          <a:latin typeface="Cambria Math" panose="02040503050406030204" pitchFamily="18" charset="0"/>
+                          <a:ea typeface="Calibri" panose="020F0502020204030204" pitchFamily="34" charset="0"/>
+                        </a:rPr>
+                        <m:t>𝑓</m:t>
+                      </m:r>
+                      <m:r>
+                        <a:rPr lang="hu-HU" sz="1200">
+                          <a:solidFill>
+                            <a:schemeClr val="bg1"/>
+                          </a:solidFill>
+                          <a:latin typeface="Cambria Math" panose="02040503050406030204" pitchFamily="18" charset="0"/>
+                          <a:ea typeface="Calibri" panose="020F0502020204030204" pitchFamily="34" charset="0"/>
+                        </a:rPr>
+                        <m:t>= </m:t>
+                      </m:r>
+                      <m:f>
+                        <m:fPr>
+                          <m:ctrlPr>
+                            <a:rPr lang="hu-HU" sz="1200" i="1">
+                              <a:solidFill>
+                                <a:schemeClr val="bg1"/>
+                              </a:solidFill>
+                              <a:latin typeface="Cambria Math" panose="02040503050406030204" pitchFamily="18" charset="0"/>
+                              <a:ea typeface="Calibri" panose="020F0502020204030204" pitchFamily="34" charset="0"/>
+                            </a:rPr>
+                          </m:ctrlPr>
+                        </m:fPr>
+                        <m:num>
+                          <m:sSub>
+                            <m:sSubPr>
+                              <m:ctrlPr>
+                                <a:rPr lang="hu-HU" sz="1200" i="1">
+                                  <a:solidFill>
+                                    <a:schemeClr val="bg1"/>
+                                  </a:solidFill>
+                                  <a:latin typeface="Cambria Math" panose="02040503050406030204" pitchFamily="18" charset="0"/>
+                                  <a:ea typeface="Calibri" panose="020F0502020204030204" pitchFamily="34" charset="0"/>
+                                </a:rPr>
+                              </m:ctrlPr>
+                            </m:sSubPr>
+                            <m:e>
+                              <m:r>
+                                <a:rPr lang="hu-HU" sz="1200" i="1">
+                                  <a:solidFill>
+                                    <a:schemeClr val="bg1"/>
+                                  </a:solidFill>
+                                  <a:latin typeface="Cambria Math" panose="02040503050406030204" pitchFamily="18" charset="0"/>
+                                  <a:ea typeface="Calibri" panose="020F0502020204030204" pitchFamily="34" charset="0"/>
+                                </a:rPr>
+                                <m:t>𝑤</m:t>
+                              </m:r>
+                            </m:e>
+                            <m:sub>
+                              <m:r>
+                                <a:rPr lang="hu-HU" sz="1200">
+                                  <a:solidFill>
+                                    <a:schemeClr val="bg1"/>
+                                  </a:solidFill>
+                                  <a:latin typeface="Cambria Math" panose="02040503050406030204" pitchFamily="18" charset="0"/>
+                                  <a:ea typeface="Calibri" panose="020F0502020204030204" pitchFamily="34" charset="0"/>
+                                </a:rPr>
+                                <m:t>1</m:t>
+                              </m:r>
+                            </m:sub>
+                          </m:sSub>
+                        </m:num>
+                        <m:den>
+                          <m:sSub>
+                            <m:sSubPr>
+                              <m:ctrlPr>
+                                <a:rPr lang="hu-HU" sz="1200" i="1">
+                                  <a:solidFill>
+                                    <a:schemeClr val="bg1"/>
+                                  </a:solidFill>
+                                  <a:latin typeface="Cambria Math" panose="02040503050406030204" pitchFamily="18" charset="0"/>
+                                  <a:ea typeface="Calibri" panose="020F0502020204030204" pitchFamily="34" charset="0"/>
+                                </a:rPr>
+                              </m:ctrlPr>
+                            </m:sSubPr>
+                            <m:e>
+                              <m:r>
+                                <a:rPr lang="hu-HU" sz="1200" i="1">
+                                  <a:solidFill>
+                                    <a:schemeClr val="bg1"/>
+                                  </a:solidFill>
+                                  <a:latin typeface="Cambria Math" panose="02040503050406030204" pitchFamily="18" charset="0"/>
+                                  <a:ea typeface="Calibri" panose="020F0502020204030204" pitchFamily="34" charset="0"/>
+                                </a:rPr>
+                                <m:t>𝑓</m:t>
+                              </m:r>
+                            </m:e>
+                            <m:sub>
+                              <m:r>
+                                <a:rPr lang="hu-HU" sz="1200">
+                                  <a:solidFill>
+                                    <a:schemeClr val="bg1"/>
+                                  </a:solidFill>
+                                  <a:latin typeface="Cambria Math" panose="02040503050406030204" pitchFamily="18" charset="0"/>
+                                  <a:ea typeface="Calibri" panose="020F0502020204030204" pitchFamily="34" charset="0"/>
+                                </a:rPr>
+                                <m:t>1</m:t>
+                              </m:r>
+                            </m:sub>
+                          </m:sSub>
+                          <m:r>
+                            <a:rPr lang="hu-HU" sz="1200" i="1">
+                              <a:solidFill>
+                                <a:schemeClr val="bg1"/>
+                              </a:solidFill>
+                              <a:latin typeface="Cambria Math" panose="02040503050406030204" pitchFamily="18" charset="0"/>
+                              <a:ea typeface="Calibri" panose="020F0502020204030204" pitchFamily="34" charset="0"/>
+                            </a:rPr>
+                            <m:t>′</m:t>
+                          </m:r>
+                        </m:den>
+                      </m:f>
+                      <m:r>
+                        <a:rPr lang="hu-HU" sz="1200">
+                          <a:solidFill>
+                            <a:schemeClr val="bg1"/>
+                          </a:solidFill>
+                          <a:latin typeface="Cambria Math" panose="02040503050406030204" pitchFamily="18" charset="0"/>
+                          <a:ea typeface="Calibri" panose="020F0502020204030204" pitchFamily="34" charset="0"/>
+                        </a:rPr>
+                        <m:t>+ </m:t>
+                      </m:r>
+                      <m:sSub>
+                        <m:sSubPr>
+                          <m:ctrlPr>
+                            <a:rPr lang="hu-HU" sz="1200" i="1">
+                              <a:solidFill>
+                                <a:schemeClr val="bg1"/>
+                              </a:solidFill>
+                              <a:latin typeface="Cambria Math" panose="02040503050406030204" pitchFamily="18" charset="0"/>
+                              <a:ea typeface="Calibri" panose="020F0502020204030204" pitchFamily="34" charset="0"/>
+                            </a:rPr>
+                          </m:ctrlPr>
+                        </m:sSubPr>
+                        <m:e>
+                          <m:r>
+                            <a:rPr lang="hu-HU" sz="1200" i="1">
+                              <a:solidFill>
+                                <a:schemeClr val="bg1"/>
+                              </a:solidFill>
+                              <a:latin typeface="Cambria Math" panose="02040503050406030204" pitchFamily="18" charset="0"/>
+                              <a:ea typeface="Calibri" panose="020F0502020204030204" pitchFamily="34" charset="0"/>
+                            </a:rPr>
+                            <m:t>𝑤</m:t>
+                          </m:r>
+                        </m:e>
+                        <m:sub>
+                          <m:r>
+                            <a:rPr lang="hu-HU" sz="1200">
+                              <a:solidFill>
+                                <a:schemeClr val="bg1"/>
+                              </a:solidFill>
+                              <a:latin typeface="Cambria Math" panose="02040503050406030204" pitchFamily="18" charset="0"/>
+                              <a:ea typeface="Calibri" panose="020F0502020204030204" pitchFamily="34" charset="0"/>
+                            </a:rPr>
+                            <m:t>2</m:t>
+                          </m:r>
+                        </m:sub>
+                      </m:sSub>
+                      <m:r>
+                        <a:rPr lang="hu-HU" sz="1200" i="1">
+                          <a:solidFill>
+                            <a:schemeClr val="bg1"/>
+                          </a:solidFill>
+                          <a:latin typeface="Cambria Math" panose="02040503050406030204" pitchFamily="18" charset="0"/>
+                          <a:ea typeface="Calibri" panose="020F0502020204030204" pitchFamily="34" charset="0"/>
+                        </a:rPr>
+                        <m:t>∗</m:t>
+                      </m:r>
+                      <m:r>
+                        <a:rPr lang="hu-HU" sz="1200">
+                          <a:solidFill>
+                            <a:schemeClr val="bg1"/>
+                          </a:solidFill>
+                          <a:latin typeface="Cambria Math" panose="02040503050406030204" pitchFamily="18" charset="0"/>
+                          <a:ea typeface="Calibri" panose="020F0502020204030204" pitchFamily="34" charset="0"/>
+                        </a:rPr>
+                        <m:t> </m:t>
+                      </m:r>
+                      <m:sSub>
+                        <m:sSubPr>
+                          <m:ctrlPr>
+                            <a:rPr lang="hu-HU" sz="1200" i="1">
+                              <a:solidFill>
+                                <a:schemeClr val="bg1"/>
+                              </a:solidFill>
+                              <a:latin typeface="Cambria Math" panose="02040503050406030204" pitchFamily="18" charset="0"/>
+                              <a:ea typeface="Calibri" panose="020F0502020204030204" pitchFamily="34" charset="0"/>
+                            </a:rPr>
+                          </m:ctrlPr>
+                        </m:sSubPr>
+                        <m:e>
+                          <m:r>
+                            <a:rPr lang="hu-HU" sz="1200" i="1">
+                              <a:solidFill>
+                                <a:schemeClr val="bg1"/>
+                              </a:solidFill>
+                              <a:latin typeface="Cambria Math" panose="02040503050406030204" pitchFamily="18" charset="0"/>
+                              <a:ea typeface="Calibri" panose="020F0502020204030204" pitchFamily="34" charset="0"/>
+                            </a:rPr>
+                            <m:t>𝑓</m:t>
+                          </m:r>
+                        </m:e>
+                        <m:sub>
+                          <m:r>
+                            <a:rPr lang="hu-HU" sz="1200">
+                              <a:solidFill>
+                                <a:schemeClr val="bg1"/>
+                              </a:solidFill>
+                              <a:latin typeface="Cambria Math" panose="02040503050406030204" pitchFamily="18" charset="0"/>
+                              <a:ea typeface="Calibri" panose="020F0502020204030204" pitchFamily="34" charset="0"/>
+                            </a:rPr>
+                            <m:t>2</m:t>
+                          </m:r>
+                        </m:sub>
+                      </m:sSub>
+                      <m:r>
+                        <a:rPr lang="hu-HU" sz="1200" i="1">
+                          <a:solidFill>
+                            <a:schemeClr val="bg1"/>
+                          </a:solidFill>
+                          <a:latin typeface="Cambria Math" panose="02040503050406030204" pitchFamily="18" charset="0"/>
+                          <a:ea typeface="Calibri" panose="020F0502020204030204" pitchFamily="34" charset="0"/>
+                        </a:rPr>
+                        <m:t>′</m:t>
+                      </m:r>
+                    </m:oMath>
+                  </m:oMathPara>
+                </a14:m>
+                <a:endParaRPr lang="hu-HU" sz="1200" dirty="0">
+                  <a:solidFill>
+                    <a:schemeClr val="bg1"/>
+                  </a:solidFill>
+                  <a:latin typeface="Times New Roman" panose="02020603050405020304" pitchFamily="18" charset="0"/>
+                  <a:ea typeface="Calibri" panose="020F0502020204030204" pitchFamily="34" charset="0"/>
+                </a:endParaRPr>
+              </a:p>
+            </p:txBody>
+          </p:sp>
+        </mc:Choice>
+        <mc:Fallback xmlns="">
+          <p:sp>
+            <p:nvSpPr>
+              <p:cNvPr id="5" name="Téglalap 4">
+                <a:extLst>
+                  <a:ext uri="{FF2B5EF4-FFF2-40B4-BE49-F238E27FC236}">
+                    <a16:creationId xmlns:a16="http://schemas.microsoft.com/office/drawing/2014/main" id="{3981F2D0-A3DB-4B0C-8421-6BBE7482A80C}"/>
+                  </a:ext>
+                </a:extLst>
+              </p:cNvPr>
+              <p:cNvSpPr>
+                <a:spLocks noRot="1" noChangeAspect="1" noMove="1" noResize="1" noEditPoints="1" noAdjustHandles="1" noChangeArrowheads="1" noChangeShapeType="1" noTextEdit="1"/>
+              </p:cNvSpPr>
+              <p:nvPr/>
+            </p:nvSpPr>
+            <p:spPr>
+              <a:xfrm>
+                <a:off x="-1748672" y="4449115"/>
+                <a:ext cx="8405769" cy="2160976"/>
+              </a:xfrm>
+              <a:prstGeom prst="rect">
+                <a:avLst/>
+              </a:prstGeom>
+              <a:blipFill>
+                <a:blip r:embed="rId2"/>
+                <a:stretch>
+                  <a:fillRect/>
+                </a:stretch>
+              </a:blipFill>
+            </p:spPr>
+            <p:txBody>
+              <a:bodyPr/>
+              <a:lstStyle/>
+              <a:p>
+                <a:r>
+                  <a:rPr lang="hu-HU">
+                    <a:noFill/>
+                  </a:rPr>
+                  <a:t> </a:t>
+                </a:r>
+              </a:p>
+            </p:txBody>
+          </p:sp>
+        </mc:Fallback>
+      </mc:AlternateContent>
     </p:spTree>
     <p:extLst>
       <p:ext uri="{BB962C8B-B14F-4D97-AF65-F5344CB8AC3E}">
@@ -15258,7 +18190,7 @@
 </p:sld>
 </file>
 
-<file path=ppt/slides/slide6.xml><?xml version="1.0" encoding="utf-8"?>
+<file path=ppt/slides/slide7.xml><?xml version="1.0" encoding="utf-8"?>
 <p:sld xmlns:a="http://schemas.openxmlformats.org/drawingml/2006/main" xmlns:r="http://schemas.openxmlformats.org/officeDocument/2006/relationships" xmlns:p="http://schemas.openxmlformats.org/presentationml/2006/main">
   <p:cSld>
     <p:bg>
@@ -15540,7 +18472,7 @@
               </a:lnSpc>
             </a:pPr>
             <a:r>
-              <a:rPr lang="hu-HU" sz="1700">
+              <a:rPr lang="hu-HU" sz="1700" dirty="0">
                 <a:solidFill>
                   <a:schemeClr val="bg1"/>
                 </a:solidFill>
@@ -15555,12 +18487,28 @@
               </a:lnSpc>
             </a:pPr>
             <a:r>
-              <a:rPr lang="hu-HU" sz="1700">
+              <a:rPr lang="hu-HU" sz="1700" dirty="0">
                 <a:solidFill>
                   <a:schemeClr val="bg1"/>
                 </a:solidFill>
               </a:rPr>
-              <a:t>Modularitás, typescript, teljeskörű dokumentáció, erős közösségi támogatás</a:t>
+              <a:t>Modularitás, </a:t>
+            </a:r>
+            <a:r>
+              <a:rPr lang="hu-HU" sz="1700" dirty="0" err="1">
+                <a:solidFill>
+                  <a:schemeClr val="bg1"/>
+                </a:solidFill>
+              </a:rPr>
+              <a:t>typescript</a:t>
+            </a:r>
+            <a:r>
+              <a:rPr lang="hu-HU" sz="1700" dirty="0">
+                <a:solidFill>
+                  <a:schemeClr val="bg1"/>
+                </a:solidFill>
+              </a:rPr>
+              <a:t>, teljeskörű dokumentáció, erős közösségi támogatás</a:t>
             </a:r>
           </a:p>
           <a:p>
@@ -15570,7 +18518,7 @@
               </a:lnSpc>
             </a:pPr>
             <a:r>
-              <a:rPr lang="hu-HU" sz="1700">
+              <a:rPr lang="hu-HU" sz="1700" dirty="0">
                 <a:solidFill>
                   <a:schemeClr val="bg1"/>
                 </a:solidFill>
@@ -15585,13 +18533,42 @@
               </a:lnSpc>
             </a:pPr>
             <a:r>
-              <a:rPr lang="hu-HU" sz="1700">
+              <a:rPr lang="hu-HU" sz="1700" dirty="0">
                 <a:solidFill>
                   <a:schemeClr val="bg1"/>
                 </a:solidFill>
               </a:rPr>
-              <a:t>Teljesítmény, cross-platform, open-source</a:t>
+              <a:t>Teljesítmény, </a:t>
             </a:r>
+            <a:r>
+              <a:rPr lang="hu-HU" sz="1700" dirty="0" err="1">
+                <a:solidFill>
+                  <a:schemeClr val="bg1"/>
+                </a:solidFill>
+              </a:rPr>
+              <a:t>cross</a:t>
+            </a:r>
+            <a:r>
+              <a:rPr lang="hu-HU" sz="1700" dirty="0">
+                <a:solidFill>
+                  <a:schemeClr val="bg1"/>
+                </a:solidFill>
+              </a:rPr>
+              <a:t>-platform, </a:t>
+            </a:r>
+            <a:r>
+              <a:rPr lang="hu-HU" sz="1700" dirty="0" err="1">
+                <a:solidFill>
+                  <a:schemeClr val="bg1"/>
+                </a:solidFill>
+              </a:rPr>
+              <a:t>open-source</a:t>
+            </a:r>
+            <a:endParaRPr lang="hu-HU" sz="1700" dirty="0">
+              <a:solidFill>
+                <a:schemeClr val="bg1"/>
+              </a:solidFill>
+            </a:endParaRPr>
           </a:p>
           <a:p>
             <a:pPr>
@@ -15600,12 +18577,28 @@
               </a:lnSpc>
             </a:pPr>
             <a:r>
-              <a:rPr lang="hu-HU" sz="1700">
+              <a:rPr lang="hu-HU" sz="1700" dirty="0">
                 <a:solidFill>
                   <a:schemeClr val="bg1"/>
                 </a:solidFill>
               </a:rPr>
-              <a:t>Felhasznált optimalizációs library:</a:t>
+              <a:t>Felhasznált optimalizációs </a:t>
+            </a:r>
+            <a:r>
+              <a:rPr lang="hu-HU" sz="1700" dirty="0" err="1">
+                <a:solidFill>
+                  <a:schemeClr val="bg1"/>
+                </a:solidFill>
+              </a:rPr>
+              <a:t>library</a:t>
+            </a:r>
+            <a:r>
+              <a:rPr lang="hu-HU" sz="1700" dirty="0">
+                <a:solidFill>
+                  <a:schemeClr val="bg1"/>
+                </a:solidFill>
+              </a:rPr>
+              <a:t>:</a:t>
             </a:r>
           </a:p>
           <a:p>
@@ -15615,12 +18608,28 @@
               </a:lnSpc>
             </a:pPr>
             <a:r>
-              <a:rPr lang="hu-HU" sz="1700">
+              <a:rPr lang="hu-HU" sz="1700" dirty="0">
                 <a:solidFill>
                   <a:schemeClr val="bg1"/>
                 </a:solidFill>
               </a:rPr>
-              <a:t>Google-OR Tools (Lineáris Programozáshoz)</a:t>
+              <a:t>Google-OR </a:t>
+            </a:r>
+            <a:r>
+              <a:rPr lang="hu-HU" sz="1700" dirty="0" err="1">
+                <a:solidFill>
+                  <a:schemeClr val="bg1"/>
+                </a:solidFill>
+              </a:rPr>
+              <a:t>Tools</a:t>
+            </a:r>
+            <a:r>
+              <a:rPr lang="hu-HU" sz="1700" dirty="0">
+                <a:solidFill>
+                  <a:schemeClr val="bg1"/>
+                </a:solidFill>
+              </a:rPr>
+              <a:t> (Lineáris Programozáshoz)</a:t>
             </a:r>
           </a:p>
           <a:p>
@@ -15630,7 +18639,7 @@
               </a:lnSpc>
             </a:pPr>
             <a:r>
-              <a:rPr lang="hu-HU" sz="1700">
+              <a:rPr lang="hu-HU" sz="1700" dirty="0">
                 <a:solidFill>
                   <a:schemeClr val="bg1"/>
                 </a:solidFill>
@@ -15764,11 +18773,11 @@
             <a:fld id="{D57F1E4F-1CFF-5643-939E-217C01CDF565}" type="slidenum">
               <a:rPr lang="en-US" smtClean="0"/>
               <a:pPr/>
-              <a:t>6</a:t>
+              <a:t>7</a:t>
             </a:fld>
             <a:r>
               <a:rPr lang="hu-HU" dirty="0"/>
-              <a:t>/9</a:t>
+              <a:t>/10</a:t>
             </a:r>
             <a:endParaRPr lang="en-US" dirty="0"/>
           </a:p>
@@ -15787,7 +18796,7 @@
 </p:sld>
 </file>
 
-<file path=ppt/slides/slide7.xml><?xml version="1.0" encoding="utf-8"?>
+<file path=ppt/slides/slide8.xml><?xml version="1.0" encoding="utf-8"?>
 <p:sld xmlns:a="http://schemas.openxmlformats.org/drawingml/2006/main" xmlns:r="http://schemas.openxmlformats.org/officeDocument/2006/relationships" xmlns:p="http://schemas.openxmlformats.org/presentationml/2006/main">
   <p:cSld>
     <p:bg>
@@ -16667,7 +19676,7 @@
             <a:fld id="{D57F1E4F-1CFF-5643-939E-217C01CDF565}" type="slidenum">
               <a:rPr lang="en-US" smtClean="0"/>
               <a:pPr/>
-              <a:t>7</a:t>
+              <a:t>8</a:t>
             </a:fld>
             <a:endParaRPr lang="en-US" dirty="0"/>
           </a:p>
@@ -16686,7 +19695,7 @@
 </p:sld>
 </file>
 
-<file path=ppt/slides/slide8.xml><?xml version="1.0" encoding="utf-8"?>
+<file path=ppt/slides/slide9.xml><?xml version="1.0" encoding="utf-8"?>
 <p:sld xmlns:a="http://schemas.openxmlformats.org/drawingml/2006/main" xmlns:r="http://schemas.openxmlformats.org/officeDocument/2006/relationships" xmlns:p="http://schemas.openxmlformats.org/presentationml/2006/main">
   <p:cSld>
     <p:spTree>
@@ -16793,11 +19802,11 @@
             <a:fld id="{D57F1E4F-1CFF-5643-939E-217C01CDF565}" type="slidenum">
               <a:rPr lang="en-US" smtClean="0"/>
               <a:pPr/>
-              <a:t>8</a:t>
+              <a:t>9</a:t>
             </a:fld>
             <a:r>
               <a:rPr lang="hu-HU" dirty="0"/>
-              <a:t>/9</a:t>
+              <a:t>/10</a:t>
             </a:r>
             <a:endParaRPr lang="en-US" dirty="0"/>
           </a:p>
@@ -16807,125 +19816,6 @@
     <p:extLst>
       <p:ext uri="{BB962C8B-B14F-4D97-AF65-F5344CB8AC3E}">
         <p14:creationId xmlns:p14="http://schemas.microsoft.com/office/powerpoint/2010/main" val="540163254"/>
-      </p:ext>
-    </p:extLst>
-  </p:cSld>
-  <p:clrMapOvr>
-    <a:masterClrMapping/>
-  </p:clrMapOvr>
-</p:sld>
-</file>
-
-<file path=ppt/slides/slide9.xml><?xml version="1.0" encoding="utf-8"?>
-<p:sld xmlns:a="http://schemas.openxmlformats.org/drawingml/2006/main" xmlns:r="http://schemas.openxmlformats.org/officeDocument/2006/relationships" xmlns:p="http://schemas.openxmlformats.org/presentationml/2006/main">
-  <p:cSld>
-    <p:bg>
-      <p:bgPr>
-        <a:solidFill>
-          <a:schemeClr val="bg1"/>
-        </a:solidFill>
-        <a:effectLst/>
-      </p:bgPr>
-    </p:bg>
-    <p:spTree>
-      <p:nvGrpSpPr>
-        <p:cNvPr id="1" name=""/>
-        <p:cNvGrpSpPr/>
-        <p:nvPr/>
-      </p:nvGrpSpPr>
-      <p:grpSpPr>
-        <a:xfrm>
-          <a:off x="0" y="0"/>
-          <a:ext cx="0" cy="0"/>
-          <a:chOff x="0" y="0"/>
-          <a:chExt cx="0" cy="0"/>
-        </a:xfrm>
-      </p:grpSpPr>
-      <p:sp>
-        <p:nvSpPr>
-          <p:cNvPr id="65" name="Cím 1">
-            <a:extLst>
-              <a:ext uri="{FF2B5EF4-FFF2-40B4-BE49-F238E27FC236}">
-                <a16:creationId xmlns:a16="http://schemas.microsoft.com/office/drawing/2014/main" id="{D2708685-D035-4718-BFBF-1DEFBF064909}"/>
-              </a:ext>
-            </a:extLst>
-          </p:cNvPr>
-          <p:cNvSpPr>
-            <a:spLocks noGrp="1"/>
-          </p:cNvSpPr>
-          <p:nvPr>
-            <p:ph type="title"/>
-          </p:nvPr>
-        </p:nvSpPr>
-        <p:spPr>
-          <a:xfrm>
-            <a:off x="676746" y="609600"/>
-            <a:ext cx="3729076" cy="1320800"/>
-          </a:xfrm>
-        </p:spPr>
-        <p:txBody>
-          <a:bodyPr vert="horz" lIns="91440" tIns="45720" rIns="91440" bIns="45720" rtlCol="0" anchor="ctr">
-            <a:normAutofit/>
-          </a:bodyPr>
-          <a:lstStyle/>
-          <a:p>
-            <a:r>
-              <a:rPr lang="en-US" kern="1200" dirty="0">
-                <a:solidFill>
-                  <a:schemeClr val="tx1"/>
-                </a:solidFill>
-                <a:latin typeface="+mj-lt"/>
-                <a:ea typeface="+mj-ea"/>
-                <a:cs typeface="+mj-cs"/>
-              </a:rPr>
-              <a:t>Sequence Diagram</a:t>
-            </a:r>
-          </a:p>
-        </p:txBody>
-      </p:sp>
-      <p:pic>
-        <p:nvPicPr>
-          <p:cNvPr id="4" name="Kép 3" descr="A képen szöveg, térkép látható&#10;&#10;Automatikusan generált leírás">
-            <a:extLst>
-              <a:ext uri="{FF2B5EF4-FFF2-40B4-BE49-F238E27FC236}">
-                <a16:creationId xmlns:a16="http://schemas.microsoft.com/office/drawing/2014/main" id="{5EE0CDAD-F625-4D3A-88ED-7EFB6CB91C9E}"/>
-              </a:ext>
-            </a:extLst>
-          </p:cNvPr>
-          <p:cNvPicPr/>
-          <p:nvPr/>
-        </p:nvPicPr>
-        <p:blipFill rotWithShape="1">
-          <a:blip r:embed="rId2" cstate="print">
-            <a:extLst>
-              <a:ext uri="{28A0092B-C50C-407E-A947-70E740481C1C}">
-                <a14:useLocalDpi xmlns:a14="http://schemas.microsoft.com/office/drawing/2010/main" val="0"/>
-              </a:ext>
-            </a:extLst>
-          </a:blip>
-          <a:srcRect l="3014" t="5022" r="19681" b="12107"/>
-          <a:stretch/>
-        </p:blipFill>
-        <p:spPr bwMode="auto">
-          <a:xfrm>
-            <a:off x="3608173" y="0"/>
-            <a:ext cx="8583827" cy="6887366"/>
-          </a:xfrm>
-          <a:prstGeom prst="rect">
-            <a:avLst/>
-          </a:prstGeom>
-          <a:noFill/>
-          <a:extLst>
-            <a:ext uri="{53640926-AAD7-44D8-BBD7-CCE9431645EC}">
-              <a14:shadowObscured xmlns:a14="http://schemas.microsoft.com/office/drawing/2010/main"/>
-            </a:ext>
-          </a:extLst>
-        </p:spPr>
-      </p:pic>
-    </p:spTree>
-    <p:extLst>
-      <p:ext uri="{BB962C8B-B14F-4D97-AF65-F5344CB8AC3E}">
-        <p14:creationId xmlns:p14="http://schemas.microsoft.com/office/powerpoint/2010/main" val="3365433189"/>
       </p:ext>
     </p:extLst>
   </p:cSld>
